--- a/react-talk.pptx
+++ b/react-talk.pptx
@@ -6,8 +6,18 @@
   </p:sldMasterIdLst>
   <p:sldIdLst>
     <p:sldId id="256" r:id="rId2"/>
-    <p:sldId id="257" r:id="rId3"/>
-    <p:sldId id="258" r:id="rId4"/>
+    <p:sldId id="259" r:id="rId3"/>
+    <p:sldId id="260" r:id="rId4"/>
+    <p:sldId id="261" r:id="rId5"/>
+    <p:sldId id="262" r:id="rId6"/>
+    <p:sldId id="263" r:id="rId7"/>
+    <p:sldId id="265" r:id="rId8"/>
+    <p:sldId id="264" r:id="rId9"/>
+    <p:sldId id="266" r:id="rId10"/>
+    <p:sldId id="267" r:id="rId11"/>
+    <p:sldId id="268" r:id="rId12"/>
+    <p:sldId id="257" r:id="rId13"/>
+    <p:sldId id="258" r:id="rId14"/>
   </p:sldIdLst>
   <p:sldSz cx="12192000" cy="6858000"/>
   <p:notesSz cx="6858000" cy="9144000"/>
@@ -106,6 +116,32 @@
       </a:defRPr>
     </a:lvl9pPr>
   </p:defaultTextStyle>
+  <p:extLst>
+    <p:ext uri="{521415D9-36F7-43E2-AB2F-B90AF26B5E84}">
+      <p14:sectionLst xmlns:p14="http://schemas.microsoft.com/office/powerpoint/2010/main">
+        <p14:section name="Standardabschnitt" id="{27F5D893-15E3-5B4D-A4BB-CB4D949D38BA}">
+          <p14:sldIdLst>
+            <p14:sldId id="256"/>
+            <p14:sldId id="259"/>
+            <p14:sldId id="260"/>
+            <p14:sldId id="261"/>
+            <p14:sldId id="262"/>
+            <p14:sldId id="263"/>
+            <p14:sldId id="265"/>
+            <p14:sldId id="264"/>
+            <p14:sldId id="266"/>
+            <p14:sldId id="267"/>
+            <p14:sldId id="268"/>
+            <p14:sldId id="257"/>
+            <p14:sldId id="258"/>
+          </p14:sldIdLst>
+        </p14:section>
+      </p14:sectionLst>
+    </p:ext>
+    <p:ext uri="{EFAFB233-063F-42B5-8137-9DF3F51BA10A}">
+      <p15:sldGuideLst xmlns:p15="http://schemas.microsoft.com/office/powerpoint/2012/main"/>
+    </p:ext>
+  </p:extLst>
 </p:presentation>
 </file>
 
@@ -341,6 +377,82 @@
 </p:sldLayout>
 </file>
 
+<file path=ppt/slideLayouts/slideLayout3.xml><?xml version="1.0" encoding="utf-8"?>
+<p:sldLayout xmlns:a="http://schemas.openxmlformats.org/drawingml/2006/main" xmlns:r="http://schemas.openxmlformats.org/officeDocument/2006/relationships" xmlns:p="http://schemas.openxmlformats.org/presentationml/2006/main" preserve="1" userDrawn="1">
+  <p:cSld name="2_Titelfolie">
+    <p:spTree>
+      <p:nvGrpSpPr>
+        <p:cNvPr id="1" name=""/>
+        <p:cNvGrpSpPr/>
+        <p:nvPr/>
+      </p:nvGrpSpPr>
+      <p:grpSpPr>
+        <a:xfrm>
+          <a:off x="0" y="0"/>
+          <a:ext cx="0" cy="0"/>
+          <a:chOff x="0" y="0"/>
+          <a:chExt cx="0" cy="0"/>
+        </a:xfrm>
+      </p:grpSpPr>
+      <p:sp>
+        <p:nvSpPr>
+          <p:cNvPr id="7" name="Rechteck 6"/>
+          <p:cNvSpPr/>
+          <p:nvPr userDrawn="1"/>
+        </p:nvSpPr>
+        <p:spPr>
+          <a:xfrm>
+            <a:off x="0" y="6079065"/>
+            <a:ext cx="12192000" cy="45719"/>
+          </a:xfrm>
+          <a:prstGeom prst="rect">
+            <a:avLst/>
+          </a:prstGeom>
+          <a:solidFill>
+            <a:srgbClr val="5AB88F"/>
+          </a:solidFill>
+          <a:ln>
+            <a:noFill/>
+          </a:ln>
+        </p:spPr>
+        <p:style>
+          <a:lnRef idx="2">
+            <a:schemeClr val="accent1">
+              <a:shade val="50000"/>
+            </a:schemeClr>
+          </a:lnRef>
+          <a:fillRef idx="1">
+            <a:schemeClr val="accent1"/>
+          </a:fillRef>
+          <a:effectRef idx="0">
+            <a:schemeClr val="accent1"/>
+          </a:effectRef>
+          <a:fontRef idx="minor">
+            <a:schemeClr val="lt1"/>
+          </a:fontRef>
+        </p:style>
+        <p:txBody>
+          <a:bodyPr rtlCol="0" anchor="ctr"/>
+          <a:lstStyle/>
+          <a:p>
+            <a:pPr algn="ctr"/>
+            <a:endParaRPr lang="de-DE"/>
+          </a:p>
+        </p:txBody>
+      </p:sp>
+    </p:spTree>
+    <p:extLst>
+      <p:ext uri="{BB962C8B-B14F-4D97-AF65-F5344CB8AC3E}">
+        <p14:creationId xmlns:p14="http://schemas.microsoft.com/office/powerpoint/2010/main" val="1176646042"/>
+      </p:ext>
+    </p:extLst>
+  </p:cSld>
+  <p:clrMapOvr>
+    <a:masterClrMapping/>
+  </p:clrMapOvr>
+</p:sldLayout>
+</file>
+
 <file path=ppt/slideMasters/slideMaster1.xml><?xml version="1.0" encoding="utf-8"?>
 <p:sldMaster xmlns:a="http://schemas.openxmlformats.org/drawingml/2006/main" xmlns:r="http://schemas.openxmlformats.org/officeDocument/2006/relationships" xmlns:p="http://schemas.openxmlformats.org/presentationml/2006/main">
   <p:cSld>
@@ -377,6 +489,7 @@
   <p:sldLayoutIdLst>
     <p:sldLayoutId id="2147483649" r:id="rId1"/>
     <p:sldLayoutId id="2147483650" r:id="rId2"/>
+    <p:sldLayoutId id="2147483651" r:id="rId3"/>
   </p:sldLayoutIdLst>
   <p:txStyles>
     <p:titleStyle>
@@ -752,6 +865,1897 @@
 </p:sld>
 </file>
 
+<file path=ppt/slides/slide10.xml><?xml version="1.0" encoding="utf-8"?>
+<p:sld xmlns:a="http://schemas.openxmlformats.org/drawingml/2006/main" xmlns:r="http://schemas.openxmlformats.org/officeDocument/2006/relationships" xmlns:p="http://schemas.openxmlformats.org/presentationml/2006/main">
+  <p:cSld>
+    <p:spTree>
+      <p:nvGrpSpPr>
+        <p:cNvPr id="1" name=""/>
+        <p:cNvGrpSpPr/>
+        <p:nvPr/>
+      </p:nvGrpSpPr>
+      <p:grpSpPr>
+        <a:xfrm>
+          <a:off x="0" y="0"/>
+          <a:ext cx="0" cy="0"/>
+          <a:chOff x="0" y="0"/>
+          <a:chExt cx="0" cy="0"/>
+        </a:xfrm>
+      </p:grpSpPr>
+      <p:sp>
+        <p:nvSpPr>
+          <p:cNvPr id="2" name="Titel 1"/>
+          <p:cNvSpPr>
+            <a:spLocks noGrp="1"/>
+          </p:cNvSpPr>
+          <p:nvPr>
+            <p:ph type="title"/>
+          </p:nvPr>
+        </p:nvSpPr>
+        <p:spPr/>
+        <p:txBody>
+          <a:bodyPr/>
+          <a:lstStyle/>
+          <a:p>
+            <a:r>
+              <a:rPr lang="de-DE" dirty="0" smtClean="0"/>
+              <a:t>Wiederverwendbare Komponenten</a:t>
+            </a:r>
+            <a:endParaRPr lang="de-DE" dirty="0"/>
+          </a:p>
+        </p:txBody>
+      </p:sp>
+      <p:grpSp>
+        <p:nvGrpSpPr>
+          <p:cNvPr id="3" name="Gruppierung 2"/>
+          <p:cNvGrpSpPr/>
+          <p:nvPr/>
+        </p:nvGrpSpPr>
+        <p:grpSpPr>
+          <a:xfrm>
+            <a:off x="1786017" y="258261"/>
+            <a:ext cx="4265956" cy="4464374"/>
+            <a:chOff x="4420844" y="294837"/>
+            <a:chExt cx="4265956" cy="4464374"/>
+          </a:xfrm>
+        </p:grpSpPr>
+        <p:pic>
+          <p:nvPicPr>
+            <p:cNvPr id="4" name="Bild 3"/>
+            <p:cNvPicPr>
+              <a:picLocks noChangeAspect="1"/>
+            </p:cNvPicPr>
+            <p:nvPr/>
+          </p:nvPicPr>
+          <p:blipFill>
+            <a:blip r:embed="rId2"/>
+            <a:stretch>
+              <a:fillRect/>
+            </a:stretch>
+          </p:blipFill>
+          <p:spPr>
+            <a:xfrm>
+              <a:off x="4420844" y="294838"/>
+              <a:ext cx="4265956" cy="4464373"/>
+            </a:xfrm>
+            <a:prstGeom prst="rect">
+              <a:avLst/>
+            </a:prstGeom>
+          </p:spPr>
+        </p:pic>
+        <p:sp>
+          <p:nvSpPr>
+            <p:cNvPr id="5" name="Rechteck 4"/>
+            <p:cNvSpPr/>
+            <p:nvPr/>
+          </p:nvSpPr>
+          <p:spPr>
+            <a:xfrm>
+              <a:off x="4665133" y="1702968"/>
+              <a:ext cx="2921000" cy="347133"/>
+            </a:xfrm>
+            <a:prstGeom prst="rect">
+              <a:avLst/>
+            </a:prstGeom>
+            <a:noFill/>
+            <a:ln w="12700">
+              <a:solidFill>
+                <a:srgbClr val="6B8CAB"/>
+              </a:solidFill>
+              <a:prstDash val="sysDash"/>
+              <a:miter lim="800000"/>
+            </a:ln>
+            <a:effectLst/>
+          </p:spPr>
+          <p:style>
+            <a:lnRef idx="1">
+              <a:schemeClr val="accent1"/>
+            </a:lnRef>
+            <a:fillRef idx="3">
+              <a:schemeClr val="accent1"/>
+            </a:fillRef>
+            <a:effectRef idx="2">
+              <a:schemeClr val="accent1"/>
+            </a:effectRef>
+            <a:fontRef idx="minor">
+              <a:schemeClr val="lt1"/>
+            </a:fontRef>
+          </p:style>
+          <p:txBody>
+            <a:bodyPr rtlCol="0" anchor="ctr"/>
+            <a:lstStyle/>
+            <a:p>
+              <a:pPr algn="ctr"/>
+              <a:endParaRPr lang="de-DE"/>
+            </a:p>
+          </p:txBody>
+        </p:sp>
+        <p:sp>
+          <p:nvSpPr>
+            <p:cNvPr id="6" name="Rechteck 5"/>
+            <p:cNvSpPr/>
+            <p:nvPr/>
+          </p:nvSpPr>
+          <p:spPr>
+            <a:xfrm>
+              <a:off x="4588933" y="1618324"/>
+              <a:ext cx="3149600" cy="1735644"/>
+            </a:xfrm>
+            <a:prstGeom prst="rect">
+              <a:avLst/>
+            </a:prstGeom>
+            <a:noFill/>
+            <a:ln w="12700">
+              <a:solidFill>
+                <a:srgbClr val="6B8CAB"/>
+              </a:solidFill>
+              <a:prstDash val="sysDash"/>
+              <a:miter lim="800000"/>
+            </a:ln>
+            <a:effectLst/>
+          </p:spPr>
+          <p:style>
+            <a:lnRef idx="1">
+              <a:schemeClr val="accent1"/>
+            </a:lnRef>
+            <a:fillRef idx="3">
+              <a:schemeClr val="accent1"/>
+            </a:fillRef>
+            <a:effectRef idx="2">
+              <a:schemeClr val="accent1"/>
+            </a:effectRef>
+            <a:fontRef idx="minor">
+              <a:schemeClr val="lt1"/>
+            </a:fontRef>
+          </p:style>
+          <p:txBody>
+            <a:bodyPr rtlCol="0" anchor="ctr"/>
+            <a:lstStyle/>
+            <a:p>
+              <a:pPr algn="ctr"/>
+              <a:endParaRPr lang="de-DE"/>
+            </a:p>
+          </p:txBody>
+        </p:sp>
+        <p:sp>
+          <p:nvSpPr>
+            <p:cNvPr id="7" name="Rechteck 6"/>
+            <p:cNvSpPr/>
+            <p:nvPr/>
+          </p:nvSpPr>
+          <p:spPr>
+            <a:xfrm>
+              <a:off x="4521200" y="1017191"/>
+              <a:ext cx="4064000" cy="3623710"/>
+            </a:xfrm>
+            <a:prstGeom prst="rect">
+              <a:avLst/>
+            </a:prstGeom>
+            <a:noFill/>
+            <a:ln w="12700">
+              <a:solidFill>
+                <a:srgbClr val="6B8CAB"/>
+              </a:solidFill>
+              <a:prstDash val="sysDash"/>
+              <a:miter lim="800000"/>
+            </a:ln>
+            <a:effectLst/>
+          </p:spPr>
+          <p:style>
+            <a:lnRef idx="1">
+              <a:schemeClr val="accent1"/>
+            </a:lnRef>
+            <a:fillRef idx="3">
+              <a:schemeClr val="accent1"/>
+            </a:fillRef>
+            <a:effectRef idx="2">
+              <a:schemeClr val="accent1"/>
+            </a:effectRef>
+            <a:fontRef idx="minor">
+              <a:schemeClr val="lt1"/>
+            </a:fontRef>
+          </p:style>
+          <p:txBody>
+            <a:bodyPr rtlCol="0" anchor="ctr"/>
+            <a:lstStyle/>
+            <a:p>
+              <a:pPr algn="ctr"/>
+              <a:endParaRPr lang="de-DE"/>
+            </a:p>
+          </p:txBody>
+        </p:sp>
+        <p:sp>
+          <p:nvSpPr>
+            <p:cNvPr id="8" name="Rechteck 7"/>
+            <p:cNvSpPr/>
+            <p:nvPr/>
+          </p:nvSpPr>
+          <p:spPr>
+            <a:xfrm>
+              <a:off x="6510867" y="4048234"/>
+              <a:ext cx="1955800" cy="533400"/>
+            </a:xfrm>
+            <a:prstGeom prst="rect">
+              <a:avLst/>
+            </a:prstGeom>
+            <a:noFill/>
+            <a:ln w="12700">
+              <a:solidFill>
+                <a:srgbClr val="6B8CAB"/>
+              </a:solidFill>
+              <a:prstDash val="sysDash"/>
+              <a:miter lim="800000"/>
+            </a:ln>
+            <a:effectLst/>
+          </p:spPr>
+          <p:style>
+            <a:lnRef idx="1">
+              <a:schemeClr val="accent1"/>
+            </a:lnRef>
+            <a:fillRef idx="3">
+              <a:schemeClr val="accent1"/>
+            </a:fillRef>
+            <a:effectRef idx="2">
+              <a:schemeClr val="accent1"/>
+            </a:effectRef>
+            <a:fontRef idx="minor">
+              <a:schemeClr val="lt1"/>
+            </a:fontRef>
+          </p:style>
+          <p:txBody>
+            <a:bodyPr rtlCol="0" anchor="ctr"/>
+            <a:lstStyle/>
+            <a:p>
+              <a:pPr algn="ctr"/>
+              <a:endParaRPr lang="de-DE"/>
+            </a:p>
+          </p:txBody>
+        </p:sp>
+        <p:sp>
+          <p:nvSpPr>
+            <p:cNvPr id="9" name="Rechteck 8"/>
+            <p:cNvSpPr/>
+            <p:nvPr/>
+          </p:nvSpPr>
+          <p:spPr>
+            <a:xfrm>
+              <a:off x="4420844" y="294837"/>
+              <a:ext cx="4245320" cy="4464373"/>
+            </a:xfrm>
+            <a:prstGeom prst="rect">
+              <a:avLst/>
+            </a:prstGeom>
+            <a:noFill/>
+            <a:ln w="12700">
+              <a:solidFill>
+                <a:srgbClr val="6B8CAB"/>
+              </a:solidFill>
+              <a:prstDash val="sysDash"/>
+              <a:miter lim="800000"/>
+            </a:ln>
+            <a:effectLst/>
+          </p:spPr>
+          <p:style>
+            <a:lnRef idx="1">
+              <a:schemeClr val="accent1"/>
+            </a:lnRef>
+            <a:fillRef idx="3">
+              <a:schemeClr val="accent1"/>
+            </a:fillRef>
+            <a:effectRef idx="2">
+              <a:schemeClr val="accent1"/>
+            </a:effectRef>
+            <a:fontRef idx="minor">
+              <a:schemeClr val="lt1"/>
+            </a:fontRef>
+          </p:style>
+          <p:txBody>
+            <a:bodyPr rtlCol="0" anchor="ctr"/>
+            <a:lstStyle/>
+            <a:p>
+              <a:pPr algn="ctr"/>
+              <a:endParaRPr lang="de-DE"/>
+            </a:p>
+          </p:txBody>
+        </p:sp>
+      </p:grpSp>
+      <p:sp>
+        <p:nvSpPr>
+          <p:cNvPr id="10" name="Textfeld 9"/>
+          <p:cNvSpPr txBox="1"/>
+          <p:nvPr/>
+        </p:nvSpPr>
+        <p:spPr>
+          <a:xfrm>
+            <a:off x="6281662" y="209822"/>
+            <a:ext cx="3752950" cy="4561249"/>
+          </a:xfrm>
+          <a:prstGeom prst="rect">
+            <a:avLst/>
+          </a:prstGeom>
+          <a:noFill/>
+        </p:spPr>
+        <p:txBody>
+          <a:bodyPr wrap="none" rtlCol="0">
+            <a:spAutoFit/>
+          </a:bodyPr>
+          <a:lstStyle/>
+          <a:p>
+            <a:pPr>
+              <a:lnSpc>
+                <a:spcPct val="120000"/>
+              </a:lnSpc>
+            </a:pPr>
+            <a:r>
+              <a:rPr lang="de-DE" sz="2200" dirty="0" smtClean="0">
+                <a:solidFill>
+                  <a:srgbClr val="EF7D1D"/>
+                </a:solidFill>
+                <a:latin typeface="Source Code Pro" charset="0"/>
+                <a:ea typeface="Source Code Pro" charset="0"/>
+                <a:cs typeface="Source Code Pro" charset="0"/>
+              </a:rPr>
+              <a:t>&lt;</a:t>
+            </a:r>
+            <a:r>
+              <a:rPr lang="de-DE" sz="2200" dirty="0" err="1" smtClean="0">
+                <a:solidFill>
+                  <a:srgbClr val="EF7D1D"/>
+                </a:solidFill>
+                <a:latin typeface="Source Code Pro" charset="0"/>
+                <a:ea typeface="Source Code Pro" charset="0"/>
+                <a:cs typeface="Source Code Pro" charset="0"/>
+              </a:rPr>
+              <a:t>PasswordView</a:t>
+            </a:r>
+            <a:r>
+              <a:rPr lang="de-DE" sz="2200" dirty="0" smtClean="0">
+                <a:solidFill>
+                  <a:srgbClr val="EF7D1D"/>
+                </a:solidFill>
+                <a:latin typeface="Source Code Pro" charset="0"/>
+                <a:ea typeface="Source Code Pro" charset="0"/>
+                <a:cs typeface="Source Code Pro" charset="0"/>
+              </a:rPr>
+              <a:t>&gt;</a:t>
+            </a:r>
+          </a:p>
+          <a:p>
+            <a:pPr>
+              <a:lnSpc>
+                <a:spcPct val="120000"/>
+              </a:lnSpc>
+            </a:pPr>
+            <a:r>
+              <a:rPr lang="de-DE" sz="2200" dirty="0">
+                <a:solidFill>
+                  <a:srgbClr val="EF7D1D"/>
+                </a:solidFill>
+                <a:latin typeface="Source Code Pro" charset="0"/>
+                <a:ea typeface="Source Code Pro" charset="0"/>
+                <a:cs typeface="Source Code Pro" charset="0"/>
+              </a:rPr>
+              <a:t> </a:t>
+            </a:r>
+            <a:r>
+              <a:rPr lang="de-DE" sz="2200" dirty="0" smtClean="0">
+                <a:solidFill>
+                  <a:srgbClr val="EF7D1D"/>
+                </a:solidFill>
+                <a:latin typeface="Source Code Pro" charset="0"/>
+                <a:ea typeface="Source Code Pro" charset="0"/>
+                <a:cs typeface="Source Code Pro" charset="0"/>
+              </a:rPr>
+              <a:t> &lt;</a:t>
+            </a:r>
+            <a:r>
+              <a:rPr lang="de-DE" sz="2200" dirty="0" err="1" smtClean="0">
+                <a:solidFill>
+                  <a:srgbClr val="EF7D1D"/>
+                </a:solidFill>
+                <a:latin typeface="Source Code Pro" charset="0"/>
+                <a:ea typeface="Source Code Pro" charset="0"/>
+                <a:cs typeface="Source Code Pro" charset="0"/>
+              </a:rPr>
+              <a:t>PasswordForm</a:t>
+            </a:r>
+            <a:r>
+              <a:rPr lang="de-DE" sz="2200" dirty="0" smtClean="0">
+                <a:solidFill>
+                  <a:srgbClr val="EF7D1D"/>
+                </a:solidFill>
+                <a:latin typeface="Source Code Pro" charset="0"/>
+                <a:ea typeface="Source Code Pro" charset="0"/>
+                <a:cs typeface="Source Code Pro" charset="0"/>
+              </a:rPr>
+              <a:t>&gt;</a:t>
+            </a:r>
+          </a:p>
+          <a:p>
+            <a:pPr>
+              <a:lnSpc>
+                <a:spcPct val="120000"/>
+              </a:lnSpc>
+            </a:pPr>
+            <a:r>
+              <a:rPr lang="de-DE" sz="2200" dirty="0">
+                <a:solidFill>
+                  <a:srgbClr val="EF7D1D"/>
+                </a:solidFill>
+                <a:latin typeface="Source Code Pro" charset="0"/>
+                <a:ea typeface="Source Code Pro" charset="0"/>
+                <a:cs typeface="Source Code Pro" charset="0"/>
+              </a:rPr>
+              <a:t> </a:t>
+            </a:r>
+            <a:r>
+              <a:rPr lang="de-DE" sz="2200" dirty="0" smtClean="0">
+                <a:solidFill>
+                  <a:srgbClr val="EF7D1D"/>
+                </a:solidFill>
+                <a:latin typeface="Source Code Pro" charset="0"/>
+                <a:ea typeface="Source Code Pro" charset="0"/>
+                <a:cs typeface="Source Code Pro" charset="0"/>
+              </a:rPr>
+              <a:t>   &lt;</a:t>
+            </a:r>
+            <a:r>
+              <a:rPr lang="de-DE" sz="2200" dirty="0" err="1" smtClean="0">
+                <a:solidFill>
+                  <a:srgbClr val="EF7D1D"/>
+                </a:solidFill>
+                <a:latin typeface="Source Code Pro" charset="0"/>
+                <a:ea typeface="Source Code Pro" charset="0"/>
+                <a:cs typeface="Source Code Pro" charset="0"/>
+              </a:rPr>
+              <a:t>input</a:t>
+            </a:r>
+            <a:r>
+              <a:rPr lang="de-DE" sz="2200" dirty="0" smtClean="0">
+                <a:solidFill>
+                  <a:srgbClr val="EF7D1D"/>
+                </a:solidFill>
+                <a:latin typeface="Source Code Pro" charset="0"/>
+                <a:ea typeface="Source Code Pro" charset="0"/>
+                <a:cs typeface="Source Code Pro" charset="0"/>
+              </a:rPr>
+              <a:t> /&gt;</a:t>
+            </a:r>
+            <a:endParaRPr lang="de-DE" sz="2200" dirty="0" smtClean="0">
+              <a:solidFill>
+                <a:srgbClr val="EF7D1D"/>
+              </a:solidFill>
+              <a:latin typeface="Source Code Pro" charset="0"/>
+              <a:ea typeface="Source Code Pro" charset="0"/>
+              <a:cs typeface="Source Code Pro" charset="0"/>
+            </a:endParaRPr>
+          </a:p>
+          <a:p>
+            <a:pPr>
+              <a:lnSpc>
+                <a:spcPct val="120000"/>
+              </a:lnSpc>
+            </a:pPr>
+            <a:r>
+              <a:rPr lang="de-DE" sz="2200" dirty="0">
+                <a:solidFill>
+                  <a:srgbClr val="EF7D1D"/>
+                </a:solidFill>
+                <a:latin typeface="Source Code Pro" charset="0"/>
+                <a:ea typeface="Source Code Pro" charset="0"/>
+                <a:cs typeface="Source Code Pro" charset="0"/>
+              </a:rPr>
+              <a:t> </a:t>
+            </a:r>
+            <a:r>
+              <a:rPr lang="de-DE" sz="2200" dirty="0" smtClean="0">
+                <a:solidFill>
+                  <a:srgbClr val="EF7D1D"/>
+                </a:solidFill>
+                <a:latin typeface="Source Code Pro" charset="0"/>
+                <a:ea typeface="Source Code Pro" charset="0"/>
+                <a:cs typeface="Source Code Pro" charset="0"/>
+              </a:rPr>
+              <a:t>   &lt;</a:t>
+            </a:r>
+            <a:r>
+              <a:rPr lang="de-DE" sz="2200" dirty="0" err="1" smtClean="0">
+                <a:solidFill>
+                  <a:srgbClr val="EF7D1D"/>
+                </a:solidFill>
+                <a:latin typeface="Source Code Pro" charset="0"/>
+                <a:ea typeface="Source Code Pro" charset="0"/>
+                <a:cs typeface="Source Code Pro" charset="0"/>
+              </a:rPr>
+              <a:t>CheckLabelList</a:t>
+            </a:r>
+            <a:r>
+              <a:rPr lang="de-DE" sz="2200" dirty="0" smtClean="0">
+                <a:solidFill>
+                  <a:srgbClr val="EF7D1D"/>
+                </a:solidFill>
+                <a:latin typeface="Source Code Pro" charset="0"/>
+                <a:ea typeface="Source Code Pro" charset="0"/>
+                <a:cs typeface="Source Code Pro" charset="0"/>
+              </a:rPr>
+              <a:t>&gt;</a:t>
+            </a:r>
+          </a:p>
+          <a:p>
+            <a:pPr>
+              <a:lnSpc>
+                <a:spcPct val="120000"/>
+              </a:lnSpc>
+            </a:pPr>
+            <a:r>
+              <a:rPr lang="de-DE" sz="2200" dirty="0">
+                <a:solidFill>
+                  <a:srgbClr val="EF7D1D"/>
+                </a:solidFill>
+                <a:latin typeface="Source Code Pro" charset="0"/>
+                <a:ea typeface="Source Code Pro" charset="0"/>
+                <a:cs typeface="Source Code Pro" charset="0"/>
+              </a:rPr>
+              <a:t> </a:t>
+            </a:r>
+            <a:r>
+              <a:rPr lang="de-DE" sz="2200" dirty="0" smtClean="0">
+                <a:solidFill>
+                  <a:srgbClr val="EF7D1D"/>
+                </a:solidFill>
+                <a:latin typeface="Source Code Pro" charset="0"/>
+                <a:ea typeface="Source Code Pro" charset="0"/>
+                <a:cs typeface="Source Code Pro" charset="0"/>
+              </a:rPr>
+              <a:t>     &lt;</a:t>
+            </a:r>
+            <a:r>
+              <a:rPr lang="de-DE" sz="2200" dirty="0" err="1" smtClean="0">
+                <a:solidFill>
+                  <a:srgbClr val="EF7D1D"/>
+                </a:solidFill>
+                <a:latin typeface="Source Code Pro" charset="0"/>
+                <a:ea typeface="Source Code Pro" charset="0"/>
+                <a:cs typeface="Source Code Pro" charset="0"/>
+              </a:rPr>
+              <a:t>CheckLabel</a:t>
+            </a:r>
+            <a:r>
+              <a:rPr lang="de-DE" sz="2200" dirty="0">
+                <a:solidFill>
+                  <a:srgbClr val="EF7D1D"/>
+                </a:solidFill>
+                <a:latin typeface="Source Code Pro" charset="0"/>
+                <a:ea typeface="Source Code Pro" charset="0"/>
+                <a:cs typeface="Source Code Pro" charset="0"/>
+              </a:rPr>
+              <a:t> </a:t>
+            </a:r>
+            <a:r>
+              <a:rPr lang="de-DE" sz="2200" dirty="0" smtClean="0">
+                <a:solidFill>
+                  <a:srgbClr val="EF7D1D"/>
+                </a:solidFill>
+                <a:latin typeface="Source Code Pro" charset="0"/>
+                <a:ea typeface="Source Code Pro" charset="0"/>
+                <a:cs typeface="Source Code Pro" charset="0"/>
+              </a:rPr>
+              <a:t>/&gt;</a:t>
+            </a:r>
+          </a:p>
+          <a:p>
+            <a:pPr>
+              <a:lnSpc>
+                <a:spcPct val="120000"/>
+              </a:lnSpc>
+            </a:pPr>
+            <a:r>
+              <a:rPr lang="de-DE" sz="2200" dirty="0">
+                <a:solidFill>
+                  <a:srgbClr val="EF7D1D"/>
+                </a:solidFill>
+                <a:latin typeface="Source Code Pro" charset="0"/>
+                <a:ea typeface="Source Code Pro" charset="0"/>
+                <a:cs typeface="Source Code Pro" charset="0"/>
+              </a:rPr>
+              <a:t> </a:t>
+            </a:r>
+            <a:r>
+              <a:rPr lang="de-DE" sz="2200" dirty="0" smtClean="0">
+                <a:solidFill>
+                  <a:srgbClr val="EF7D1D"/>
+                </a:solidFill>
+                <a:latin typeface="Source Code Pro" charset="0"/>
+                <a:ea typeface="Source Code Pro" charset="0"/>
+                <a:cs typeface="Source Code Pro" charset="0"/>
+              </a:rPr>
+              <a:t>     &lt;</a:t>
+            </a:r>
+            <a:r>
+              <a:rPr lang="de-DE" sz="2200" dirty="0" err="1" smtClean="0">
+                <a:solidFill>
+                  <a:srgbClr val="EF7D1D"/>
+                </a:solidFill>
+                <a:latin typeface="Source Code Pro" charset="0"/>
+                <a:ea typeface="Source Code Pro" charset="0"/>
+                <a:cs typeface="Source Code Pro" charset="0"/>
+              </a:rPr>
+              <a:t>CheckLabel</a:t>
+            </a:r>
+            <a:r>
+              <a:rPr lang="de-DE" sz="2200" dirty="0" smtClean="0">
+                <a:solidFill>
+                  <a:srgbClr val="EF7D1D"/>
+                </a:solidFill>
+                <a:latin typeface="Source Code Pro" charset="0"/>
+                <a:ea typeface="Source Code Pro" charset="0"/>
+                <a:cs typeface="Source Code Pro" charset="0"/>
+              </a:rPr>
+              <a:t> /&gt;</a:t>
+            </a:r>
+          </a:p>
+          <a:p>
+            <a:pPr>
+              <a:lnSpc>
+                <a:spcPct val="120000"/>
+              </a:lnSpc>
+            </a:pPr>
+            <a:r>
+              <a:rPr lang="de-DE" sz="2200" dirty="0">
+                <a:solidFill>
+                  <a:srgbClr val="EF7D1D"/>
+                </a:solidFill>
+                <a:latin typeface="Source Code Pro" charset="0"/>
+                <a:ea typeface="Source Code Pro" charset="0"/>
+                <a:cs typeface="Source Code Pro" charset="0"/>
+              </a:rPr>
+              <a:t> </a:t>
+            </a:r>
+            <a:r>
+              <a:rPr lang="de-DE" sz="2200" dirty="0" smtClean="0">
+                <a:solidFill>
+                  <a:srgbClr val="EF7D1D"/>
+                </a:solidFill>
+                <a:latin typeface="Source Code Pro" charset="0"/>
+                <a:ea typeface="Source Code Pro" charset="0"/>
+                <a:cs typeface="Source Code Pro" charset="0"/>
+              </a:rPr>
+              <a:t>   &lt;/</a:t>
+            </a:r>
+            <a:r>
+              <a:rPr lang="de-DE" sz="2200" dirty="0" err="1" smtClean="0">
+                <a:solidFill>
+                  <a:srgbClr val="EF7D1D"/>
+                </a:solidFill>
+                <a:latin typeface="Source Code Pro" charset="0"/>
+                <a:ea typeface="Source Code Pro" charset="0"/>
+                <a:cs typeface="Source Code Pro" charset="0"/>
+              </a:rPr>
+              <a:t>CheckLabelList</a:t>
+            </a:r>
+            <a:r>
+              <a:rPr lang="de-DE" sz="2200" dirty="0" smtClean="0">
+                <a:solidFill>
+                  <a:srgbClr val="EF7D1D"/>
+                </a:solidFill>
+                <a:latin typeface="Source Code Pro" charset="0"/>
+                <a:ea typeface="Source Code Pro" charset="0"/>
+                <a:cs typeface="Source Code Pro" charset="0"/>
+              </a:rPr>
+              <a:t>&gt;</a:t>
+            </a:r>
+          </a:p>
+          <a:p>
+            <a:pPr>
+              <a:lnSpc>
+                <a:spcPct val="120000"/>
+              </a:lnSpc>
+            </a:pPr>
+            <a:r>
+              <a:rPr lang="de-DE" sz="2200" dirty="0">
+                <a:solidFill>
+                  <a:srgbClr val="EF7D1D"/>
+                </a:solidFill>
+                <a:latin typeface="Source Code Pro" charset="0"/>
+                <a:ea typeface="Source Code Pro" charset="0"/>
+                <a:cs typeface="Source Code Pro" charset="0"/>
+              </a:rPr>
+              <a:t> </a:t>
+            </a:r>
+            <a:r>
+              <a:rPr lang="de-DE" sz="2200" dirty="0" smtClean="0">
+                <a:solidFill>
+                  <a:srgbClr val="EF7D1D"/>
+                </a:solidFill>
+                <a:latin typeface="Source Code Pro" charset="0"/>
+                <a:ea typeface="Source Code Pro" charset="0"/>
+                <a:cs typeface="Source Code Pro" charset="0"/>
+              </a:rPr>
+              <a:t>   &lt;Label /&gt;</a:t>
+            </a:r>
+          </a:p>
+          <a:p>
+            <a:pPr>
+              <a:lnSpc>
+                <a:spcPct val="120000"/>
+              </a:lnSpc>
+            </a:pPr>
+            <a:r>
+              <a:rPr lang="de-DE" sz="2200" dirty="0">
+                <a:solidFill>
+                  <a:srgbClr val="EF7D1D"/>
+                </a:solidFill>
+                <a:latin typeface="Source Code Pro" charset="0"/>
+                <a:ea typeface="Source Code Pro" charset="0"/>
+                <a:cs typeface="Source Code Pro" charset="0"/>
+              </a:rPr>
+              <a:t> </a:t>
+            </a:r>
+            <a:r>
+              <a:rPr lang="de-DE" sz="2200" dirty="0" smtClean="0">
+                <a:solidFill>
+                  <a:srgbClr val="EF7D1D"/>
+                </a:solidFill>
+                <a:latin typeface="Source Code Pro" charset="0"/>
+                <a:ea typeface="Source Code Pro" charset="0"/>
+                <a:cs typeface="Source Code Pro" charset="0"/>
+              </a:rPr>
+              <a:t>   &lt;Button /&gt;</a:t>
+            </a:r>
+          </a:p>
+          <a:p>
+            <a:pPr>
+              <a:lnSpc>
+                <a:spcPct val="120000"/>
+              </a:lnSpc>
+            </a:pPr>
+            <a:r>
+              <a:rPr lang="de-DE" sz="2200" dirty="0">
+                <a:solidFill>
+                  <a:srgbClr val="EF7D1D"/>
+                </a:solidFill>
+                <a:latin typeface="Source Code Pro" charset="0"/>
+                <a:ea typeface="Source Code Pro" charset="0"/>
+                <a:cs typeface="Source Code Pro" charset="0"/>
+              </a:rPr>
+              <a:t> </a:t>
+            </a:r>
+            <a:r>
+              <a:rPr lang="de-DE" sz="2200" dirty="0" smtClean="0">
+                <a:solidFill>
+                  <a:srgbClr val="EF7D1D"/>
+                </a:solidFill>
+                <a:latin typeface="Source Code Pro" charset="0"/>
+                <a:ea typeface="Source Code Pro" charset="0"/>
+                <a:cs typeface="Source Code Pro" charset="0"/>
+              </a:rPr>
+              <a:t> &lt;</a:t>
+            </a:r>
+            <a:r>
+              <a:rPr lang="de-DE" sz="2200" dirty="0">
+                <a:solidFill>
+                  <a:srgbClr val="EF7D1D"/>
+                </a:solidFill>
+                <a:latin typeface="Source Code Pro" charset="0"/>
+                <a:ea typeface="Source Code Pro" charset="0"/>
+                <a:cs typeface="Source Code Pro" charset="0"/>
+              </a:rPr>
+              <a:t>/</a:t>
+            </a:r>
+            <a:r>
+              <a:rPr lang="de-DE" sz="2200" dirty="0" err="1">
+                <a:solidFill>
+                  <a:srgbClr val="EF7D1D"/>
+                </a:solidFill>
+                <a:latin typeface="Source Code Pro" charset="0"/>
+                <a:ea typeface="Source Code Pro" charset="0"/>
+                <a:cs typeface="Source Code Pro" charset="0"/>
+              </a:rPr>
+              <a:t>PasswordForm</a:t>
+            </a:r>
+            <a:r>
+              <a:rPr lang="de-DE" sz="2200" dirty="0">
+                <a:solidFill>
+                  <a:srgbClr val="EF7D1D"/>
+                </a:solidFill>
+                <a:latin typeface="Source Code Pro" charset="0"/>
+                <a:ea typeface="Source Code Pro" charset="0"/>
+                <a:cs typeface="Source Code Pro" charset="0"/>
+              </a:rPr>
+              <a:t>&gt;</a:t>
+            </a:r>
+            <a:endParaRPr lang="de-DE" sz="2200" dirty="0" smtClean="0">
+              <a:solidFill>
+                <a:srgbClr val="EF7D1D"/>
+              </a:solidFill>
+              <a:latin typeface="Source Code Pro" charset="0"/>
+              <a:ea typeface="Source Code Pro" charset="0"/>
+              <a:cs typeface="Source Code Pro" charset="0"/>
+            </a:endParaRPr>
+          </a:p>
+          <a:p>
+            <a:pPr>
+              <a:lnSpc>
+                <a:spcPct val="120000"/>
+              </a:lnSpc>
+            </a:pPr>
+            <a:r>
+              <a:rPr lang="de-DE" sz="2200" dirty="0" smtClean="0">
+                <a:solidFill>
+                  <a:srgbClr val="EF7D1D"/>
+                </a:solidFill>
+                <a:latin typeface="Source Code Pro" charset="0"/>
+                <a:ea typeface="Source Code Pro" charset="0"/>
+                <a:cs typeface="Source Code Pro" charset="0"/>
+              </a:rPr>
+              <a:t>&lt;</a:t>
+            </a:r>
+            <a:r>
+              <a:rPr lang="de-DE" sz="2200" dirty="0">
+                <a:solidFill>
+                  <a:srgbClr val="EF7D1D"/>
+                </a:solidFill>
+                <a:latin typeface="Source Code Pro" charset="0"/>
+                <a:ea typeface="Source Code Pro" charset="0"/>
+                <a:cs typeface="Source Code Pro" charset="0"/>
+              </a:rPr>
+              <a:t>/</a:t>
+            </a:r>
+            <a:r>
+              <a:rPr lang="de-DE" sz="2200" dirty="0" err="1">
+                <a:solidFill>
+                  <a:srgbClr val="EF7D1D"/>
+                </a:solidFill>
+                <a:latin typeface="Source Code Pro" charset="0"/>
+                <a:ea typeface="Source Code Pro" charset="0"/>
+                <a:cs typeface="Source Code Pro" charset="0"/>
+              </a:rPr>
+              <a:t>PasswordView</a:t>
+            </a:r>
+            <a:r>
+              <a:rPr lang="de-DE" sz="2200" dirty="0">
+                <a:solidFill>
+                  <a:srgbClr val="EF7D1D"/>
+                </a:solidFill>
+                <a:latin typeface="Source Code Pro" charset="0"/>
+                <a:ea typeface="Source Code Pro" charset="0"/>
+                <a:cs typeface="Source Code Pro" charset="0"/>
+              </a:rPr>
+              <a:t>&gt;</a:t>
+            </a:r>
+            <a:endParaRPr lang="de-DE" sz="2200" dirty="0" smtClean="0">
+              <a:solidFill>
+                <a:srgbClr val="EF7D1D"/>
+              </a:solidFill>
+              <a:latin typeface="Source Code Pro" charset="0"/>
+              <a:ea typeface="Source Code Pro" charset="0"/>
+              <a:cs typeface="Source Code Pro" charset="0"/>
+            </a:endParaRPr>
+          </a:p>
+        </p:txBody>
+      </p:sp>
+    </p:spTree>
+    <p:extLst>
+      <p:ext uri="{BB962C8B-B14F-4D97-AF65-F5344CB8AC3E}">
+        <p14:creationId xmlns:p14="http://schemas.microsoft.com/office/powerpoint/2010/main" val="310094723"/>
+      </p:ext>
+    </p:extLst>
+  </p:cSld>
+  <p:clrMapOvr>
+    <a:masterClrMapping/>
+  </p:clrMapOvr>
+  <p:timing>
+    <p:tnLst>
+      <p:par>
+        <p:cTn id="1" dur="indefinite" restart="never" nodeType="tmRoot"/>
+      </p:par>
+    </p:tnLst>
+  </p:timing>
+</p:sld>
+</file>
+
+<file path=ppt/slides/slide11.xml><?xml version="1.0" encoding="utf-8"?>
+<p:sld xmlns:a="http://schemas.openxmlformats.org/drawingml/2006/main" xmlns:r="http://schemas.openxmlformats.org/officeDocument/2006/relationships" xmlns:p="http://schemas.openxmlformats.org/presentationml/2006/main">
+  <p:cSld>
+    <p:spTree>
+      <p:nvGrpSpPr>
+        <p:cNvPr id="1" name=""/>
+        <p:cNvGrpSpPr/>
+        <p:nvPr/>
+      </p:nvGrpSpPr>
+      <p:grpSpPr>
+        <a:xfrm>
+          <a:off x="0" y="0"/>
+          <a:ext cx="0" cy="0"/>
+          <a:chOff x="0" y="0"/>
+          <a:chExt cx="0" cy="0"/>
+        </a:xfrm>
+      </p:grpSpPr>
+      <p:sp>
+        <p:nvSpPr>
+          <p:cNvPr id="2" name="Titel 1"/>
+          <p:cNvSpPr>
+            <a:spLocks noGrp="1"/>
+          </p:cNvSpPr>
+          <p:nvPr>
+            <p:ph type="title"/>
+          </p:nvPr>
+        </p:nvSpPr>
+        <p:spPr/>
+        <p:txBody>
+          <a:bodyPr/>
+          <a:lstStyle/>
+          <a:p>
+            <a:r>
+              <a:rPr lang="de-DE" dirty="0" smtClean="0"/>
+              <a:t>Anwendungen</a:t>
+            </a:r>
+            <a:endParaRPr lang="de-DE" dirty="0"/>
+          </a:p>
+        </p:txBody>
+      </p:sp>
+      <p:pic>
+        <p:nvPicPr>
+          <p:cNvPr id="4" name="Bild 3"/>
+          <p:cNvPicPr>
+            <a:picLocks noChangeAspect="1"/>
+          </p:cNvPicPr>
+          <p:nvPr/>
+        </p:nvPicPr>
+        <p:blipFill>
+          <a:blip r:embed="rId2"/>
+          <a:stretch>
+            <a:fillRect/>
+          </a:stretch>
+        </p:blipFill>
+        <p:spPr>
+          <a:xfrm>
+            <a:off x="193627" y="148532"/>
+            <a:ext cx="4631750" cy="4547715"/>
+          </a:xfrm>
+          <a:prstGeom prst="rect">
+            <a:avLst/>
+          </a:prstGeom>
+          <a:ln>
+            <a:solidFill>
+              <a:srgbClr val="E99866"/>
+            </a:solidFill>
+          </a:ln>
+        </p:spPr>
+      </p:pic>
+      <p:sp>
+        <p:nvSpPr>
+          <p:cNvPr id="5" name="Rechteck 4"/>
+          <p:cNvSpPr/>
+          <p:nvPr/>
+        </p:nvSpPr>
+        <p:spPr>
+          <a:xfrm>
+            <a:off x="193627" y="148532"/>
+            <a:ext cx="4489791" cy="4464375"/>
+          </a:xfrm>
+          <a:prstGeom prst="rect">
+            <a:avLst/>
+          </a:prstGeom>
+          <a:noFill/>
+          <a:ln w="19050" cmpd="sng">
+            <a:solidFill>
+              <a:srgbClr val="DCA95F"/>
+            </a:solidFill>
+            <a:prstDash val="sysDash"/>
+            <a:miter lim="800000"/>
+          </a:ln>
+          <a:effectLst/>
+        </p:spPr>
+        <p:style>
+          <a:lnRef idx="1">
+            <a:schemeClr val="accent1"/>
+          </a:lnRef>
+          <a:fillRef idx="3">
+            <a:schemeClr val="accent1"/>
+          </a:fillRef>
+          <a:effectRef idx="2">
+            <a:schemeClr val="accent1"/>
+          </a:effectRef>
+          <a:fontRef idx="minor">
+            <a:schemeClr val="lt1"/>
+          </a:fontRef>
+        </p:style>
+        <p:txBody>
+          <a:bodyPr rtlCol="0" anchor="ctr"/>
+          <a:lstStyle/>
+          <a:p>
+            <a:pPr algn="ctr"/>
+            <a:endParaRPr lang="de-DE"/>
+          </a:p>
+        </p:txBody>
+      </p:sp>
+      <p:sp>
+        <p:nvSpPr>
+          <p:cNvPr id="6" name="Rechteck 5"/>
+          <p:cNvSpPr/>
+          <p:nvPr/>
+        </p:nvSpPr>
+        <p:spPr>
+          <a:xfrm>
+            <a:off x="244430" y="234695"/>
+            <a:ext cx="4388191" cy="313268"/>
+          </a:xfrm>
+          <a:prstGeom prst="rect">
+            <a:avLst/>
+          </a:prstGeom>
+          <a:noFill/>
+          <a:ln w="19050" cmpd="sng">
+            <a:solidFill>
+              <a:srgbClr val="E99866"/>
+            </a:solidFill>
+            <a:prstDash val="sysDash"/>
+            <a:miter lim="800000"/>
+          </a:ln>
+          <a:effectLst/>
+        </p:spPr>
+        <p:style>
+          <a:lnRef idx="1">
+            <a:schemeClr val="accent1"/>
+          </a:lnRef>
+          <a:fillRef idx="3">
+            <a:schemeClr val="accent1"/>
+          </a:fillRef>
+          <a:effectRef idx="2">
+            <a:schemeClr val="accent1"/>
+          </a:effectRef>
+          <a:fontRef idx="minor">
+            <a:schemeClr val="lt1"/>
+          </a:fontRef>
+        </p:style>
+        <p:txBody>
+          <a:bodyPr rtlCol="0" anchor="ctr"/>
+          <a:lstStyle/>
+          <a:p>
+            <a:pPr algn="ctr"/>
+            <a:endParaRPr lang="de-DE">
+              <a:solidFill>
+                <a:srgbClr val="E99866"/>
+              </a:solidFill>
+            </a:endParaRPr>
+          </a:p>
+        </p:txBody>
+      </p:sp>
+      <p:sp>
+        <p:nvSpPr>
+          <p:cNvPr id="7" name="Rechteck 6"/>
+          <p:cNvSpPr/>
+          <p:nvPr/>
+        </p:nvSpPr>
+        <p:spPr>
+          <a:xfrm>
+            <a:off x="244430" y="700363"/>
+            <a:ext cx="4388191" cy="3810000"/>
+          </a:xfrm>
+          <a:prstGeom prst="rect">
+            <a:avLst/>
+          </a:prstGeom>
+          <a:noFill/>
+          <a:ln w="19050" cmpd="sng">
+            <a:solidFill>
+              <a:srgbClr val="E99866"/>
+            </a:solidFill>
+            <a:prstDash val="sysDash"/>
+            <a:miter lim="800000"/>
+          </a:ln>
+          <a:effectLst/>
+        </p:spPr>
+        <p:style>
+          <a:lnRef idx="1">
+            <a:schemeClr val="accent1"/>
+          </a:lnRef>
+          <a:fillRef idx="3">
+            <a:schemeClr val="accent1"/>
+          </a:fillRef>
+          <a:effectRef idx="2">
+            <a:schemeClr val="accent1"/>
+          </a:effectRef>
+          <a:fontRef idx="minor">
+            <a:schemeClr val="lt1"/>
+          </a:fontRef>
+        </p:style>
+        <p:txBody>
+          <a:bodyPr rtlCol="0" anchor="ctr"/>
+          <a:lstStyle/>
+          <a:p>
+            <a:pPr algn="ctr"/>
+            <a:endParaRPr lang="de-DE">
+              <a:solidFill>
+                <a:srgbClr val="E99866"/>
+              </a:solidFill>
+            </a:endParaRPr>
+          </a:p>
+        </p:txBody>
+      </p:sp>
+      <p:sp>
+        <p:nvSpPr>
+          <p:cNvPr id="8" name="Rechteck 7"/>
+          <p:cNvSpPr/>
+          <p:nvPr/>
+        </p:nvSpPr>
+        <p:spPr>
+          <a:xfrm>
+            <a:off x="712554" y="751162"/>
+            <a:ext cx="3615605" cy="3572933"/>
+          </a:xfrm>
+          <a:prstGeom prst="rect">
+            <a:avLst/>
+          </a:prstGeom>
+          <a:noFill/>
+          <a:ln w="19050" cmpd="sng">
+            <a:solidFill>
+              <a:srgbClr val="99661A"/>
+            </a:solidFill>
+            <a:prstDash val="sysDash"/>
+            <a:miter lim="800000"/>
+          </a:ln>
+          <a:effectLst/>
+        </p:spPr>
+        <p:style>
+          <a:lnRef idx="1">
+            <a:schemeClr val="accent1"/>
+          </a:lnRef>
+          <a:fillRef idx="3">
+            <a:schemeClr val="accent1"/>
+          </a:fillRef>
+          <a:effectRef idx="2">
+            <a:schemeClr val="accent1"/>
+          </a:effectRef>
+          <a:fontRef idx="minor">
+            <a:schemeClr val="lt1"/>
+          </a:fontRef>
+        </p:style>
+        <p:txBody>
+          <a:bodyPr rtlCol="0" anchor="ctr"/>
+          <a:lstStyle/>
+          <a:p>
+            <a:pPr algn="ctr"/>
+            <a:endParaRPr lang="de-DE"/>
+          </a:p>
+        </p:txBody>
+      </p:sp>
+      <p:sp>
+        <p:nvSpPr>
+          <p:cNvPr id="9" name="Rechteck 8"/>
+          <p:cNvSpPr/>
+          <p:nvPr/>
+        </p:nvSpPr>
+        <p:spPr>
+          <a:xfrm>
+            <a:off x="5100745" y="1226557"/>
+            <a:ext cx="6096000" cy="2308324"/>
+          </a:xfrm>
+          <a:prstGeom prst="rect">
+            <a:avLst/>
+          </a:prstGeom>
+        </p:spPr>
+        <p:txBody>
+          <a:bodyPr>
+            <a:spAutoFit/>
+          </a:bodyPr>
+          <a:lstStyle/>
+          <a:p>
+            <a:r>
+              <a:rPr lang="de-DE" dirty="0">
+                <a:solidFill>
+                  <a:srgbClr val="DCA95F"/>
+                </a:solidFill>
+                <a:latin typeface="Source Code Pro" charset="0"/>
+                <a:ea typeface="Source Code Pro" charset="0"/>
+                <a:cs typeface="Source Code Pro" charset="0"/>
+              </a:rPr>
+              <a:t>&lt;</a:t>
+            </a:r>
+            <a:r>
+              <a:rPr lang="de-DE" dirty="0" err="1">
+                <a:solidFill>
+                  <a:srgbClr val="DCA95F"/>
+                </a:solidFill>
+                <a:latin typeface="Source Code Pro" charset="0"/>
+                <a:ea typeface="Source Code Pro" charset="0"/>
+                <a:cs typeface="Source Code Pro" charset="0"/>
+              </a:rPr>
+              <a:t>Application</a:t>
+            </a:r>
+            <a:r>
+              <a:rPr lang="de-DE" dirty="0">
+                <a:solidFill>
+                  <a:srgbClr val="DCA95F"/>
+                </a:solidFill>
+                <a:latin typeface="Source Code Pro" charset="0"/>
+                <a:ea typeface="Source Code Pro" charset="0"/>
+                <a:cs typeface="Source Code Pro" charset="0"/>
+              </a:rPr>
+              <a:t>&gt;</a:t>
+            </a:r>
+          </a:p>
+          <a:p>
+            <a:r>
+              <a:rPr lang="de-DE" dirty="0">
+                <a:solidFill>
+                  <a:srgbClr val="DCA95F"/>
+                </a:solidFill>
+                <a:latin typeface="Source Code Pro" charset="0"/>
+                <a:ea typeface="Source Code Pro" charset="0"/>
+                <a:cs typeface="Source Code Pro" charset="0"/>
+              </a:rPr>
+              <a:t>  &lt;Navigation /&gt;</a:t>
+            </a:r>
+          </a:p>
+          <a:p>
+            <a:r>
+              <a:rPr lang="de-DE" dirty="0">
+                <a:solidFill>
+                  <a:srgbClr val="DCA95F"/>
+                </a:solidFill>
+                <a:latin typeface="Source Code Pro" charset="0"/>
+                <a:ea typeface="Source Code Pro" charset="0"/>
+                <a:cs typeface="Source Code Pro" charset="0"/>
+              </a:rPr>
+              <a:t>  &lt;</a:t>
+            </a:r>
+            <a:r>
+              <a:rPr lang="de-DE" dirty="0" err="1">
+                <a:solidFill>
+                  <a:srgbClr val="DCA95F"/>
+                </a:solidFill>
+                <a:latin typeface="Source Code Pro" charset="0"/>
+                <a:ea typeface="Source Code Pro" charset="0"/>
+                <a:cs typeface="Source Code Pro" charset="0"/>
+              </a:rPr>
+              <a:t>ViewContainer</a:t>
+            </a:r>
+            <a:r>
+              <a:rPr lang="de-DE" dirty="0">
+                <a:solidFill>
+                  <a:srgbClr val="DCA95F"/>
+                </a:solidFill>
+                <a:latin typeface="Source Code Pro" charset="0"/>
+                <a:ea typeface="Source Code Pro" charset="0"/>
+                <a:cs typeface="Source Code Pro" charset="0"/>
+              </a:rPr>
+              <a:t>&gt;</a:t>
+            </a:r>
+          </a:p>
+          <a:p>
+            <a:r>
+              <a:rPr lang="de-DE" dirty="0">
+                <a:solidFill>
+                  <a:srgbClr val="99661A"/>
+                </a:solidFill>
+                <a:latin typeface="Source Code Pro" charset="0"/>
+                <a:ea typeface="Source Code Pro" charset="0"/>
+                <a:cs typeface="Source Code Pro" charset="0"/>
+              </a:rPr>
+              <a:t>    &lt;</a:t>
+            </a:r>
+            <a:r>
+              <a:rPr lang="de-DE" dirty="0" err="1">
+                <a:solidFill>
+                  <a:srgbClr val="99661A"/>
+                </a:solidFill>
+                <a:latin typeface="Source Code Pro" charset="0"/>
+                <a:ea typeface="Source Code Pro" charset="0"/>
+                <a:cs typeface="Source Code Pro" charset="0"/>
+              </a:rPr>
+              <a:t>PasswordView</a:t>
+            </a:r>
+            <a:r>
+              <a:rPr lang="de-DE" dirty="0">
+                <a:solidFill>
+                  <a:srgbClr val="99661A"/>
+                </a:solidFill>
+                <a:latin typeface="Source Code Pro" charset="0"/>
+                <a:ea typeface="Source Code Pro" charset="0"/>
+                <a:cs typeface="Source Code Pro" charset="0"/>
+              </a:rPr>
+              <a:t>&gt;</a:t>
+            </a:r>
+          </a:p>
+          <a:p>
+            <a:r>
+              <a:rPr lang="de-DE" dirty="0">
+                <a:solidFill>
+                  <a:srgbClr val="99661A"/>
+                </a:solidFill>
+                <a:latin typeface="Source Code Pro" charset="0"/>
+                <a:ea typeface="Source Code Pro" charset="0"/>
+                <a:cs typeface="Source Code Pro" charset="0"/>
+              </a:rPr>
+              <a:t>      . . .</a:t>
+            </a:r>
+          </a:p>
+          <a:p>
+            <a:r>
+              <a:rPr lang="de-DE" dirty="0">
+                <a:solidFill>
+                  <a:srgbClr val="99661A"/>
+                </a:solidFill>
+                <a:latin typeface="Source Code Pro" charset="0"/>
+                <a:ea typeface="Source Code Pro" charset="0"/>
+                <a:cs typeface="Source Code Pro" charset="0"/>
+              </a:rPr>
+              <a:t>    &lt;/</a:t>
+            </a:r>
+            <a:r>
+              <a:rPr lang="de-DE" dirty="0" err="1">
+                <a:solidFill>
+                  <a:srgbClr val="99661A"/>
+                </a:solidFill>
+                <a:latin typeface="Source Code Pro" charset="0"/>
+                <a:ea typeface="Source Code Pro" charset="0"/>
+                <a:cs typeface="Source Code Pro" charset="0"/>
+              </a:rPr>
+              <a:t>PasswordView</a:t>
+            </a:r>
+            <a:r>
+              <a:rPr lang="de-DE" dirty="0">
+                <a:solidFill>
+                  <a:srgbClr val="99661A"/>
+                </a:solidFill>
+                <a:latin typeface="Source Code Pro" charset="0"/>
+                <a:ea typeface="Source Code Pro" charset="0"/>
+                <a:cs typeface="Source Code Pro" charset="0"/>
+              </a:rPr>
+              <a:t>&gt;</a:t>
+            </a:r>
+          </a:p>
+          <a:p>
+            <a:r>
+              <a:rPr lang="de-DE" dirty="0">
+                <a:solidFill>
+                  <a:srgbClr val="99661A"/>
+                </a:solidFill>
+                <a:latin typeface="Source Code Pro" charset="0"/>
+                <a:ea typeface="Source Code Pro" charset="0"/>
+                <a:cs typeface="Source Code Pro" charset="0"/>
+              </a:rPr>
+              <a:t>  </a:t>
+            </a:r>
+            <a:r>
+              <a:rPr lang="de-DE" dirty="0">
+                <a:solidFill>
+                  <a:srgbClr val="DCA95F"/>
+                </a:solidFill>
+                <a:latin typeface="Source Code Pro" charset="0"/>
+                <a:ea typeface="Source Code Pro" charset="0"/>
+                <a:cs typeface="Source Code Pro" charset="0"/>
+              </a:rPr>
+              <a:t>&lt;/</a:t>
+            </a:r>
+            <a:r>
+              <a:rPr lang="de-DE" dirty="0" err="1">
+                <a:solidFill>
+                  <a:srgbClr val="DCA95F"/>
+                </a:solidFill>
+                <a:latin typeface="Source Code Pro" charset="0"/>
+                <a:ea typeface="Source Code Pro" charset="0"/>
+                <a:cs typeface="Source Code Pro" charset="0"/>
+              </a:rPr>
+              <a:t>ViewContainer</a:t>
+            </a:r>
+            <a:r>
+              <a:rPr lang="de-DE" dirty="0">
+                <a:solidFill>
+                  <a:srgbClr val="DCA95F"/>
+                </a:solidFill>
+                <a:latin typeface="Source Code Pro" charset="0"/>
+                <a:ea typeface="Source Code Pro" charset="0"/>
+                <a:cs typeface="Source Code Pro" charset="0"/>
+              </a:rPr>
+              <a:t>&gt;</a:t>
+            </a:r>
+          </a:p>
+          <a:p>
+            <a:r>
+              <a:rPr lang="de-DE" dirty="0">
+                <a:solidFill>
+                  <a:srgbClr val="DCA95F"/>
+                </a:solidFill>
+                <a:latin typeface="Source Code Pro" charset="0"/>
+                <a:ea typeface="Source Code Pro" charset="0"/>
+                <a:cs typeface="Source Code Pro" charset="0"/>
+              </a:rPr>
+              <a:t>&lt;/</a:t>
+            </a:r>
+            <a:r>
+              <a:rPr lang="de-DE" dirty="0" err="1">
+                <a:solidFill>
+                  <a:srgbClr val="DCA95F"/>
+                </a:solidFill>
+                <a:latin typeface="Source Code Pro" charset="0"/>
+                <a:ea typeface="Source Code Pro" charset="0"/>
+                <a:cs typeface="Source Code Pro" charset="0"/>
+              </a:rPr>
+              <a:t>Application</a:t>
+            </a:r>
+            <a:r>
+              <a:rPr lang="de-DE" dirty="0">
+                <a:solidFill>
+                  <a:srgbClr val="DCA95F"/>
+                </a:solidFill>
+                <a:latin typeface="Source Code Pro" charset="0"/>
+                <a:ea typeface="Source Code Pro" charset="0"/>
+                <a:cs typeface="Source Code Pro" charset="0"/>
+              </a:rPr>
+              <a:t>&gt;</a:t>
+            </a:r>
+          </a:p>
+        </p:txBody>
+      </p:sp>
+    </p:spTree>
+    <p:extLst>
+      <p:ext uri="{BB962C8B-B14F-4D97-AF65-F5344CB8AC3E}">
+        <p14:creationId xmlns:p14="http://schemas.microsoft.com/office/powerpoint/2010/main" val="935711654"/>
+      </p:ext>
+    </p:extLst>
+  </p:cSld>
+  <p:clrMapOvr>
+    <a:masterClrMapping/>
+  </p:clrMapOvr>
+  <p:timing>
+    <p:tnLst>
+      <p:par>
+        <p:cTn id="1" dur="indefinite" restart="never" nodeType="tmRoot"/>
+      </p:par>
+    </p:tnLst>
+  </p:timing>
+</p:sld>
+</file>
+
+<file path=ppt/slides/slide12.xml><?xml version="1.0" encoding="utf-8"?>
+<p:sld xmlns:a="http://schemas.openxmlformats.org/drawingml/2006/main" xmlns:r="http://schemas.openxmlformats.org/officeDocument/2006/relationships" xmlns:p="http://schemas.openxmlformats.org/presentationml/2006/main">
+  <p:cSld>
+    <p:spTree>
+      <p:nvGrpSpPr>
+        <p:cNvPr id="1" name=""/>
+        <p:cNvGrpSpPr/>
+        <p:nvPr/>
+      </p:nvGrpSpPr>
+      <p:grpSpPr>
+        <a:xfrm>
+          <a:off x="0" y="0"/>
+          <a:ext cx="0" cy="0"/>
+          <a:chOff x="0" y="0"/>
+          <a:chExt cx="0" cy="0"/>
+        </a:xfrm>
+      </p:grpSpPr>
+      <p:sp>
+        <p:nvSpPr>
+          <p:cNvPr id="2" name="Titel 1"/>
+          <p:cNvSpPr>
+            <a:spLocks noGrp="1"/>
+          </p:cNvSpPr>
+          <p:nvPr>
+            <p:ph type="title"/>
+          </p:nvPr>
+        </p:nvSpPr>
+        <p:spPr/>
+        <p:txBody>
+          <a:bodyPr/>
+          <a:lstStyle/>
+          <a:p>
+            <a:r>
+              <a:rPr lang="de-DE" dirty="0" smtClean="0"/>
+              <a:t>Eine </a:t>
+            </a:r>
+            <a:r>
+              <a:rPr lang="de-DE" dirty="0" err="1" smtClean="0"/>
+              <a:t>React</a:t>
+            </a:r>
+            <a:r>
+              <a:rPr lang="de-DE" dirty="0" smtClean="0"/>
+              <a:t> Komponente</a:t>
+            </a:r>
+            <a:endParaRPr lang="de-DE" dirty="0"/>
+          </a:p>
+        </p:txBody>
+      </p:sp>
+      <p:sp>
+        <p:nvSpPr>
+          <p:cNvPr id="4" name="Rechteck 3"/>
+          <p:cNvSpPr/>
+          <p:nvPr/>
+        </p:nvSpPr>
+        <p:spPr>
+          <a:xfrm>
+            <a:off x="2291644" y="3550390"/>
+            <a:ext cx="7608712" cy="2215991"/>
+          </a:xfrm>
+          <a:prstGeom prst="rect">
+            <a:avLst/>
+          </a:prstGeom>
+        </p:spPr>
+        <p:txBody>
+          <a:bodyPr wrap="square" lIns="0" tIns="0" rIns="0" bIns="0">
+            <a:spAutoFit/>
+          </a:bodyPr>
+          <a:lstStyle/>
+          <a:p>
+            <a:r>
+              <a:rPr lang="de-DE" sz="2400" dirty="0" err="1" smtClean="0">
+                <a:solidFill>
+                  <a:srgbClr val="C14026"/>
+                </a:solidFill>
+                <a:latin typeface="Source Code Pro Medium" charset="0"/>
+                <a:ea typeface="Source Code Pro Medium" charset="0"/>
+                <a:cs typeface="Source Code Pro Medium" charset="0"/>
+              </a:rPr>
+              <a:t>function</a:t>
+            </a:r>
+            <a:r>
+              <a:rPr lang="de-DE" sz="2400" dirty="0" smtClean="0">
+                <a:solidFill>
+                  <a:srgbClr val="C14026"/>
+                </a:solidFill>
+                <a:latin typeface="Source Code Pro Medium" charset="0"/>
+                <a:ea typeface="Source Code Pro Medium" charset="0"/>
+                <a:cs typeface="Source Code Pro Medium" charset="0"/>
+              </a:rPr>
+              <a:t> </a:t>
+            </a:r>
+            <a:r>
+              <a:rPr lang="de-DE" sz="2400" dirty="0" err="1" smtClean="0">
+                <a:solidFill>
+                  <a:srgbClr val="C14026"/>
+                </a:solidFill>
+                <a:latin typeface="Source Code Pro Medium" charset="0"/>
+                <a:ea typeface="Source Code Pro Medium" charset="0"/>
+                <a:cs typeface="Source Code Pro Medium" charset="0"/>
+              </a:rPr>
+              <a:t>CheckLabel</a:t>
+            </a:r>
+            <a:r>
+              <a:rPr lang="de-DE" sz="2400" dirty="0" smtClean="0">
+                <a:solidFill>
+                  <a:srgbClr val="C14026"/>
+                </a:solidFill>
+                <a:latin typeface="Source Code Pro Medium" charset="0"/>
+                <a:ea typeface="Source Code Pro Medium" charset="0"/>
+                <a:cs typeface="Source Code Pro Medium" charset="0"/>
+              </a:rPr>
+              <a:t>() {</a:t>
+            </a:r>
+          </a:p>
+          <a:p>
+            <a:r>
+              <a:rPr lang="de-DE" sz="2400" dirty="0" smtClean="0">
+                <a:solidFill>
+                  <a:srgbClr val="C14026"/>
+                </a:solidFill>
+                <a:latin typeface="Source Code Pro Medium" charset="0"/>
+                <a:ea typeface="Source Code Pro Medium" charset="0"/>
+                <a:cs typeface="Source Code Pro Medium" charset="0"/>
+              </a:rPr>
+              <a:t>  </a:t>
+            </a:r>
+            <a:r>
+              <a:rPr lang="de-DE" sz="2400" dirty="0" err="1" smtClean="0">
+                <a:solidFill>
+                  <a:srgbClr val="C14026"/>
+                </a:solidFill>
+                <a:latin typeface="Source Code Pro Medium" charset="0"/>
+                <a:ea typeface="Source Code Pro Medium" charset="0"/>
+                <a:cs typeface="Source Code Pro Medium" charset="0"/>
+              </a:rPr>
+              <a:t>return</a:t>
+            </a:r>
+            <a:r>
+              <a:rPr lang="de-DE" sz="2400" dirty="0" smtClean="0">
+                <a:solidFill>
+                  <a:srgbClr val="C14026"/>
+                </a:solidFill>
+                <a:latin typeface="Source Code Pro Medium" charset="0"/>
+                <a:ea typeface="Source Code Pro Medium" charset="0"/>
+                <a:cs typeface="Source Code Pro Medium" charset="0"/>
+              </a:rPr>
+              <a:t> </a:t>
+            </a:r>
+            <a:r>
+              <a:rPr lang="de-DE" sz="2400" dirty="0" smtClean="0">
+                <a:solidFill>
+                  <a:srgbClr val="36544F"/>
+                </a:solidFill>
+                <a:latin typeface="Source Code Pro Medium" charset="0"/>
+                <a:ea typeface="Source Code Pro Medium" charset="0"/>
+                <a:cs typeface="Source Code Pro Medium" charset="0"/>
+              </a:rPr>
+              <a:t>&lt;div</a:t>
+            </a:r>
+          </a:p>
+          <a:p>
+            <a:r>
+              <a:rPr lang="de-DE" sz="2400" dirty="0" smtClean="0">
+                <a:solidFill>
+                  <a:srgbClr val="36544F"/>
+                </a:solidFill>
+                <a:latin typeface="Source Code Pro Medium" charset="0"/>
+                <a:ea typeface="Source Code Pro Medium" charset="0"/>
+                <a:cs typeface="Source Code Pro Medium" charset="0"/>
+              </a:rPr>
+              <a:t>    </a:t>
+            </a:r>
+            <a:r>
+              <a:rPr lang="de-DE" sz="2400" dirty="0" err="1" smtClean="0">
+                <a:solidFill>
+                  <a:srgbClr val="36544F"/>
+                </a:solidFill>
+                <a:latin typeface="Source Code Pro Medium" charset="0"/>
+                <a:ea typeface="Source Code Pro Medium" charset="0"/>
+                <a:cs typeface="Source Code Pro Medium" charset="0"/>
+              </a:rPr>
+              <a:t>className</a:t>
+            </a:r>
+            <a:r>
+              <a:rPr lang="de-DE" sz="2400" dirty="0" smtClean="0">
+                <a:solidFill>
+                  <a:srgbClr val="36544F"/>
+                </a:solidFill>
+                <a:latin typeface="Source Code Pro Medium" charset="0"/>
+                <a:ea typeface="Source Code Pro Medium" charset="0"/>
+                <a:cs typeface="Source Code Pro Medium" charset="0"/>
+              </a:rPr>
+              <a:t>="</a:t>
+            </a:r>
+            <a:r>
+              <a:rPr lang="de-DE" sz="2400" dirty="0" err="1" smtClean="0">
+                <a:solidFill>
+                  <a:srgbClr val="36544F"/>
+                </a:solidFill>
+                <a:latin typeface="Source Code Pro Medium" charset="0"/>
+                <a:ea typeface="Source Code Pro Medium" charset="0"/>
+                <a:cs typeface="Source Code Pro Medium" charset="0"/>
+              </a:rPr>
+              <a:t>CheckLabel-unchecked</a:t>
+            </a:r>
+            <a:r>
+              <a:rPr lang="de-DE" sz="2400" dirty="0" smtClean="0">
+                <a:solidFill>
+                  <a:srgbClr val="36544F"/>
+                </a:solidFill>
+                <a:latin typeface="Source Code Pro Medium" charset="0"/>
+                <a:ea typeface="Source Code Pro Medium" charset="0"/>
+                <a:cs typeface="Source Code Pro Medium" charset="0"/>
+              </a:rPr>
+              <a:t>"&gt;</a:t>
+            </a:r>
+          </a:p>
+          <a:p>
+            <a:r>
+              <a:rPr lang="de-DE" sz="2400" dirty="0" smtClean="0">
+                <a:solidFill>
+                  <a:srgbClr val="36544F"/>
+                </a:solidFill>
+                <a:latin typeface="Source Code Pro Medium" charset="0"/>
+                <a:ea typeface="Source Code Pro Medium" charset="0"/>
+                <a:cs typeface="Source Code Pro Medium" charset="0"/>
+              </a:rPr>
+              <a:t>    At least 8 </a:t>
+            </a:r>
+            <a:r>
+              <a:rPr lang="de-DE" sz="2400" dirty="0" err="1" smtClean="0">
+                <a:solidFill>
+                  <a:srgbClr val="36544F"/>
+                </a:solidFill>
+                <a:latin typeface="Source Code Pro Medium" charset="0"/>
+                <a:ea typeface="Source Code Pro Medium" charset="0"/>
+                <a:cs typeface="Source Code Pro Medium" charset="0"/>
+              </a:rPr>
+              <a:t>characters</a:t>
+            </a:r>
+            <a:r>
+              <a:rPr lang="de-DE" sz="2400" dirty="0" smtClean="0">
+                <a:solidFill>
+                  <a:srgbClr val="36544F"/>
+                </a:solidFill>
+                <a:latin typeface="Source Code Pro Medium" charset="0"/>
+                <a:ea typeface="Source Code Pro Medium" charset="0"/>
+                <a:cs typeface="Source Code Pro Medium" charset="0"/>
+              </a:rPr>
+              <a:t> </a:t>
+            </a:r>
+            <a:r>
+              <a:rPr lang="de-DE" sz="2400" dirty="0" err="1" smtClean="0">
+                <a:solidFill>
+                  <a:srgbClr val="36544F"/>
+                </a:solidFill>
+                <a:latin typeface="Source Code Pro Medium" charset="0"/>
+                <a:ea typeface="Source Code Pro Medium" charset="0"/>
+                <a:cs typeface="Source Code Pro Medium" charset="0"/>
+              </a:rPr>
+              <a:t>long</a:t>
+            </a:r>
+            <a:r>
+              <a:rPr lang="de-DE" sz="2400" dirty="0" smtClean="0">
+                <a:solidFill>
+                  <a:srgbClr val="36544F"/>
+                </a:solidFill>
+                <a:latin typeface="Source Code Pro Medium" charset="0"/>
+                <a:ea typeface="Source Code Pro Medium" charset="0"/>
+                <a:cs typeface="Source Code Pro Medium" charset="0"/>
+              </a:rPr>
+              <a:t>.</a:t>
+            </a:r>
+          </a:p>
+          <a:p>
+            <a:r>
+              <a:rPr lang="de-DE" sz="2400" dirty="0" smtClean="0">
+                <a:solidFill>
+                  <a:srgbClr val="36544F"/>
+                </a:solidFill>
+                <a:latin typeface="Source Code Pro Medium" charset="0"/>
+                <a:ea typeface="Source Code Pro Medium" charset="0"/>
+                <a:cs typeface="Source Code Pro Medium" charset="0"/>
+              </a:rPr>
+              <a:t>  &lt;/div&gt;</a:t>
+            </a:r>
+            <a:r>
+              <a:rPr lang="de-DE" sz="2400" dirty="0" smtClean="0">
+                <a:solidFill>
+                  <a:srgbClr val="C14026"/>
+                </a:solidFill>
+                <a:latin typeface="Source Code Pro Medium" charset="0"/>
+                <a:ea typeface="Source Code Pro Medium" charset="0"/>
+                <a:cs typeface="Source Code Pro Medium" charset="0"/>
+              </a:rPr>
+              <a:t>;</a:t>
+            </a:r>
+          </a:p>
+          <a:p>
+            <a:r>
+              <a:rPr lang="de-DE" sz="2400" dirty="0" smtClean="0">
+                <a:solidFill>
+                  <a:srgbClr val="C14026"/>
+                </a:solidFill>
+                <a:latin typeface="Source Code Pro Medium" charset="0"/>
+                <a:ea typeface="Source Code Pro Medium" charset="0"/>
+                <a:cs typeface="Source Code Pro Medium" charset="0"/>
+              </a:rPr>
+              <a:t>}</a:t>
+            </a:r>
+            <a:endParaRPr lang="de-DE" sz="2400" dirty="0">
+              <a:solidFill>
+                <a:srgbClr val="C14026"/>
+              </a:solidFill>
+              <a:latin typeface="Source Code Pro Medium" charset="0"/>
+              <a:ea typeface="Source Code Pro Medium" charset="0"/>
+              <a:cs typeface="Source Code Pro Medium" charset="0"/>
+            </a:endParaRPr>
+          </a:p>
+        </p:txBody>
+      </p:sp>
+      <p:pic>
+        <p:nvPicPr>
+          <p:cNvPr id="6" name="Bild 5"/>
+          <p:cNvPicPr>
+            <a:picLocks noChangeAspect="1"/>
+          </p:cNvPicPr>
+          <p:nvPr/>
+        </p:nvPicPr>
+        <p:blipFill rotWithShape="1">
+          <a:blip r:embed="rId2"/>
+          <a:srcRect r="11261" b="40560"/>
+          <a:stretch/>
+        </p:blipFill>
+        <p:spPr>
+          <a:xfrm>
+            <a:off x="3676807" y="1305591"/>
+            <a:ext cx="4838387" cy="568912"/>
+          </a:xfrm>
+          <a:prstGeom prst="rect">
+            <a:avLst/>
+          </a:prstGeom>
+        </p:spPr>
+      </p:pic>
+    </p:spTree>
+    <p:extLst>
+      <p:ext uri="{BB962C8B-B14F-4D97-AF65-F5344CB8AC3E}">
+        <p14:creationId xmlns:p14="http://schemas.microsoft.com/office/powerpoint/2010/main" val="345473856"/>
+      </p:ext>
+    </p:extLst>
+  </p:cSld>
+  <p:clrMapOvr>
+    <a:masterClrMapping/>
+  </p:clrMapOvr>
+  <p:timing>
+    <p:tnLst>
+      <p:par>
+        <p:cTn id="1" dur="indefinite" restart="never" nodeType="tmRoot"/>
+      </p:par>
+    </p:tnLst>
+  </p:timing>
+</p:sld>
+</file>
+
+<file path=ppt/slides/slide13.xml><?xml version="1.0" encoding="utf-8"?>
+<p:sld xmlns:a="http://schemas.openxmlformats.org/drawingml/2006/main" xmlns:r="http://schemas.openxmlformats.org/officeDocument/2006/relationships" xmlns:p="http://schemas.openxmlformats.org/presentationml/2006/main">
+  <p:cSld>
+    <p:spTree>
+      <p:nvGrpSpPr>
+        <p:cNvPr id="1" name=""/>
+        <p:cNvGrpSpPr/>
+        <p:nvPr/>
+      </p:nvGrpSpPr>
+      <p:grpSpPr>
+        <a:xfrm>
+          <a:off x="0" y="0"/>
+          <a:ext cx="0" cy="0"/>
+          <a:chOff x="0" y="0"/>
+          <a:chExt cx="0" cy="0"/>
+        </a:xfrm>
+      </p:grpSpPr>
+      <p:sp>
+        <p:nvSpPr>
+          <p:cNvPr id="2" name="Titel 1"/>
+          <p:cNvSpPr>
+            <a:spLocks noGrp="1"/>
+          </p:cNvSpPr>
+          <p:nvPr>
+            <p:ph type="title"/>
+          </p:nvPr>
+        </p:nvSpPr>
+        <p:spPr/>
+        <p:txBody>
+          <a:bodyPr/>
+          <a:lstStyle/>
+          <a:p>
+            <a:r>
+              <a:rPr lang="de-DE" dirty="0" smtClean="0"/>
+              <a:t>Hallo </a:t>
+            </a:r>
+            <a:r>
+              <a:rPr lang="de-DE" dirty="0" err="1" smtClean="0"/>
+              <a:t>React</a:t>
+            </a:r>
+            <a:endParaRPr lang="de-DE" dirty="0"/>
+          </a:p>
+        </p:txBody>
+      </p:sp>
+    </p:spTree>
+    <p:extLst>
+      <p:ext uri="{BB962C8B-B14F-4D97-AF65-F5344CB8AC3E}">
+        <p14:creationId xmlns:p14="http://schemas.microsoft.com/office/powerpoint/2010/main" val="695384258"/>
+      </p:ext>
+    </p:extLst>
+  </p:cSld>
+  <p:clrMapOvr>
+    <a:masterClrMapping/>
+  </p:clrMapOvr>
+  <p:timing>
+    <p:tnLst>
+      <p:par>
+        <p:cTn id="1" dur="indefinite" restart="never" nodeType="tmRoot"/>
+      </p:par>
+    </p:tnLst>
+  </p:timing>
+</p:sld>
+</file>
+
 <file path=ppt/slides/slide2.xml><?xml version="1.0" encoding="utf-8"?>
 <p:sld xmlns:a="http://schemas.openxmlformats.org/drawingml/2006/main" xmlns:r="http://schemas.openxmlformats.org/officeDocument/2006/relationships" xmlns:p="http://schemas.openxmlformats.org/presentationml/2006/main">
   <p:cSld>
@@ -784,322 +2788,80 @@
           <a:bodyPr/>
           <a:lstStyle/>
           <a:p>
-            <a:r>
-              <a:rPr lang="de-DE" dirty="0" smtClean="0"/>
-              <a:t>Eine </a:t>
-            </a:r>
-            <a:r>
-              <a:rPr lang="de-DE" dirty="0" err="1" smtClean="0"/>
-              <a:t>React</a:t>
-            </a:r>
-            <a:r>
-              <a:rPr lang="de-DE" dirty="0" smtClean="0"/>
-              <a:t> Komponente</a:t>
-            </a:r>
             <a:endParaRPr lang="de-DE" dirty="0"/>
           </a:p>
         </p:txBody>
       </p:sp>
       <p:sp>
         <p:nvSpPr>
-          <p:cNvPr id="4" name="Rechteck 3"/>
-          <p:cNvSpPr/>
+          <p:cNvPr id="3" name="Textfeld 2"/>
+          <p:cNvSpPr txBox="1"/>
           <p:nvPr/>
         </p:nvSpPr>
         <p:spPr>
           <a:xfrm>
-            <a:off x="2291644" y="3725881"/>
-            <a:ext cx="7608712" cy="2308324"/>
+            <a:off x="3519013" y="1660495"/>
+            <a:ext cx="5153975" cy="584775"/>
           </a:xfrm>
           <a:prstGeom prst="rect">
             <a:avLst/>
           </a:prstGeom>
+          <a:noFill/>
         </p:spPr>
         <p:txBody>
-          <a:bodyPr wrap="square">
+          <a:bodyPr wrap="none" rtlCol="0">
             <a:spAutoFit/>
           </a:bodyPr>
           <a:lstStyle/>
           <a:p>
             <a:r>
-              <a:rPr lang="de-DE" sz="2400" dirty="0" err="1" smtClean="0">
-                <a:solidFill>
-                  <a:srgbClr val="C14026"/>
-                </a:solidFill>
-                <a:latin typeface="Source Code Pro Medium" charset="0"/>
-                <a:ea typeface="Source Code Pro Medium" charset="0"/>
-                <a:cs typeface="Source Code Pro Medium" charset="0"/>
-              </a:rPr>
-              <a:t>function</a:t>
-            </a:r>
-            <a:r>
-              <a:rPr lang="de-DE" sz="2400" dirty="0" smtClean="0">
-                <a:solidFill>
-                  <a:srgbClr val="C14026"/>
-                </a:solidFill>
-                <a:latin typeface="Source Code Pro Medium" charset="0"/>
-                <a:ea typeface="Source Code Pro Medium" charset="0"/>
-                <a:cs typeface="Source Code Pro Medium" charset="0"/>
-              </a:rPr>
-              <a:t> </a:t>
-            </a:r>
-            <a:r>
-              <a:rPr lang="de-DE" sz="2400" dirty="0" err="1" smtClean="0">
-                <a:solidFill>
-                  <a:srgbClr val="C14026"/>
-                </a:solidFill>
-                <a:latin typeface="Source Code Pro Medium" charset="0"/>
-                <a:ea typeface="Source Code Pro Medium" charset="0"/>
-                <a:cs typeface="Source Code Pro Medium" charset="0"/>
-              </a:rPr>
-              <a:t>CheckLabel</a:t>
-            </a:r>
-            <a:r>
-              <a:rPr lang="de-DE" sz="2400" dirty="0" smtClean="0">
-                <a:solidFill>
-                  <a:srgbClr val="C14026"/>
-                </a:solidFill>
-                <a:latin typeface="Source Code Pro Medium" charset="0"/>
-                <a:ea typeface="Source Code Pro Medium" charset="0"/>
-                <a:cs typeface="Source Code Pro Medium" charset="0"/>
-              </a:rPr>
-              <a:t>() {</a:t>
-            </a:r>
-          </a:p>
-          <a:p>
-            <a:r>
-              <a:rPr lang="de-DE" sz="2400" dirty="0" smtClean="0">
-                <a:solidFill>
-                  <a:srgbClr val="C14026"/>
-                </a:solidFill>
-                <a:latin typeface="Source Code Pro Medium" charset="0"/>
-                <a:ea typeface="Source Code Pro Medium" charset="0"/>
-                <a:cs typeface="Source Code Pro Medium" charset="0"/>
-              </a:rPr>
-              <a:t>  </a:t>
-            </a:r>
-            <a:r>
-              <a:rPr lang="de-DE" sz="2400" dirty="0" err="1" smtClean="0">
-                <a:solidFill>
-                  <a:srgbClr val="C14026"/>
-                </a:solidFill>
-                <a:latin typeface="Source Code Pro Medium" charset="0"/>
-                <a:ea typeface="Source Code Pro Medium" charset="0"/>
-                <a:cs typeface="Source Code Pro Medium" charset="0"/>
-              </a:rPr>
-              <a:t>return</a:t>
-            </a:r>
-            <a:r>
-              <a:rPr lang="de-DE" sz="2400" dirty="0" smtClean="0">
-                <a:solidFill>
-                  <a:srgbClr val="C14026"/>
-                </a:solidFill>
-                <a:latin typeface="Source Code Pro Medium" charset="0"/>
-                <a:ea typeface="Source Code Pro Medium" charset="0"/>
-                <a:cs typeface="Source Code Pro Medium" charset="0"/>
-              </a:rPr>
-              <a:t> </a:t>
-            </a:r>
-            <a:r>
-              <a:rPr lang="de-DE" sz="2400" dirty="0" smtClean="0">
+              <a:rPr lang="de-DE" sz="3200" b="1" dirty="0" smtClean="0">
                 <a:solidFill>
                   <a:srgbClr val="36544F"/>
                 </a:solidFill>
-                <a:latin typeface="Source Code Pro Medium" charset="0"/>
-                <a:ea typeface="Source Code Pro Medium" charset="0"/>
-                <a:cs typeface="Source Code Pro Medium" charset="0"/>
-              </a:rPr>
-              <a:t>&lt;div</a:t>
-            </a:r>
-          </a:p>
-          <a:p>
-            <a:r>
-              <a:rPr lang="de-DE" sz="2400" dirty="0" smtClean="0">
+                <a:latin typeface="Source Sans Pro" charset="0"/>
+                <a:ea typeface="Source Sans Pro" charset="0"/>
+                <a:cs typeface="Source Sans Pro" charset="0"/>
+              </a:rPr>
+              <a:t>NILS@</a:t>
+            </a:r>
+            <a:r>
+              <a:rPr lang="de-DE" sz="3200" b="1" dirty="0" smtClean="0">
+                <a:solidFill>
+                  <a:srgbClr val="EF7D1D"/>
+                </a:solidFill>
+                <a:latin typeface="Source Sans Pro" charset="0"/>
+                <a:ea typeface="Source Sans Pro" charset="0"/>
+                <a:cs typeface="Source Sans Pro" charset="0"/>
+              </a:rPr>
+              <a:t>NILSHARTMANN</a:t>
+            </a:r>
+            <a:r>
+              <a:rPr lang="de-DE" sz="3200" b="1" dirty="0" smtClean="0">
                 <a:solidFill>
                   <a:srgbClr val="36544F"/>
                 </a:solidFill>
-                <a:latin typeface="Source Code Pro Medium" charset="0"/>
-                <a:ea typeface="Source Code Pro Medium" charset="0"/>
-                <a:cs typeface="Source Code Pro Medium" charset="0"/>
-              </a:rPr>
-              <a:t>    </a:t>
-            </a:r>
-            <a:r>
-              <a:rPr lang="de-DE" sz="2400" dirty="0" err="1" smtClean="0">
-                <a:solidFill>
-                  <a:srgbClr val="36544F"/>
-                </a:solidFill>
-                <a:latin typeface="Source Code Pro Medium" charset="0"/>
-                <a:ea typeface="Source Code Pro Medium" charset="0"/>
-                <a:cs typeface="Source Code Pro Medium" charset="0"/>
-              </a:rPr>
-              <a:t>className</a:t>
-            </a:r>
-            <a:r>
-              <a:rPr lang="de-DE" sz="2400" dirty="0" smtClean="0">
-                <a:solidFill>
-                  <a:srgbClr val="36544F"/>
-                </a:solidFill>
-                <a:latin typeface="Source Code Pro Medium" charset="0"/>
-                <a:ea typeface="Source Code Pro Medium" charset="0"/>
-                <a:cs typeface="Source Code Pro Medium" charset="0"/>
-              </a:rPr>
-              <a:t>="</a:t>
-            </a:r>
-            <a:r>
-              <a:rPr lang="de-DE" sz="2400" dirty="0" err="1" smtClean="0">
-                <a:solidFill>
-                  <a:srgbClr val="36544F"/>
-                </a:solidFill>
-                <a:latin typeface="Source Code Pro Medium" charset="0"/>
-                <a:ea typeface="Source Code Pro Medium" charset="0"/>
-                <a:cs typeface="Source Code Pro Medium" charset="0"/>
-              </a:rPr>
-              <a:t>CheckLabel-unchecked</a:t>
-            </a:r>
-            <a:r>
-              <a:rPr lang="de-DE" sz="2400" dirty="0" smtClean="0">
-                <a:solidFill>
-                  <a:srgbClr val="36544F"/>
-                </a:solidFill>
-                <a:latin typeface="Source Code Pro Medium" charset="0"/>
-                <a:ea typeface="Source Code Pro Medium" charset="0"/>
-                <a:cs typeface="Source Code Pro Medium" charset="0"/>
-              </a:rPr>
-              <a:t>"&gt;</a:t>
-            </a:r>
-          </a:p>
-          <a:p>
-            <a:r>
-              <a:rPr lang="de-DE" sz="2400" dirty="0" smtClean="0">
-                <a:solidFill>
-                  <a:srgbClr val="36544F"/>
-                </a:solidFill>
-                <a:latin typeface="Source Code Pro Medium" charset="0"/>
-                <a:ea typeface="Source Code Pro Medium" charset="0"/>
-                <a:cs typeface="Source Code Pro Medium" charset="0"/>
-              </a:rPr>
-              <a:t>    At least 8 </a:t>
-            </a:r>
-            <a:r>
-              <a:rPr lang="de-DE" sz="2400" dirty="0" err="1" smtClean="0">
-                <a:solidFill>
-                  <a:srgbClr val="36544F"/>
-                </a:solidFill>
-                <a:latin typeface="Source Code Pro Medium" charset="0"/>
-                <a:ea typeface="Source Code Pro Medium" charset="0"/>
-                <a:cs typeface="Source Code Pro Medium" charset="0"/>
-              </a:rPr>
-              <a:t>characters</a:t>
-            </a:r>
-            <a:r>
-              <a:rPr lang="de-DE" sz="2400" dirty="0" smtClean="0">
-                <a:solidFill>
-                  <a:srgbClr val="36544F"/>
-                </a:solidFill>
-                <a:latin typeface="Source Code Pro Medium" charset="0"/>
-                <a:ea typeface="Source Code Pro Medium" charset="0"/>
-                <a:cs typeface="Source Code Pro Medium" charset="0"/>
-              </a:rPr>
-              <a:t> </a:t>
-            </a:r>
-            <a:r>
-              <a:rPr lang="de-DE" sz="2400" dirty="0" err="1" smtClean="0">
-                <a:solidFill>
-                  <a:srgbClr val="36544F"/>
-                </a:solidFill>
-                <a:latin typeface="Source Code Pro Medium" charset="0"/>
-                <a:ea typeface="Source Code Pro Medium" charset="0"/>
-                <a:cs typeface="Source Code Pro Medium" charset="0"/>
-              </a:rPr>
-              <a:t>long</a:t>
-            </a:r>
-            <a:r>
-              <a:rPr lang="de-DE" sz="2400" dirty="0" smtClean="0">
-                <a:solidFill>
-                  <a:srgbClr val="36544F"/>
-                </a:solidFill>
-                <a:latin typeface="Source Code Pro Medium" charset="0"/>
-                <a:ea typeface="Source Code Pro Medium" charset="0"/>
-                <a:cs typeface="Source Code Pro Medium" charset="0"/>
-              </a:rPr>
-              <a:t>.</a:t>
-            </a:r>
-          </a:p>
-          <a:p>
-            <a:r>
-              <a:rPr lang="de-DE" sz="2400" dirty="0" smtClean="0">
-                <a:solidFill>
-                  <a:srgbClr val="36544F"/>
-                </a:solidFill>
-                <a:latin typeface="Source Code Pro Medium" charset="0"/>
-                <a:ea typeface="Source Code Pro Medium" charset="0"/>
-                <a:cs typeface="Source Code Pro Medium" charset="0"/>
-              </a:rPr>
-              <a:t>  &lt;/div</a:t>
-            </a:r>
-            <a:r>
-              <a:rPr lang="de-DE" sz="2400" dirty="0" smtClean="0">
-                <a:solidFill>
-                  <a:srgbClr val="C14026"/>
-                </a:solidFill>
-                <a:latin typeface="Source Code Pro Medium" charset="0"/>
-                <a:ea typeface="Source Code Pro Medium" charset="0"/>
-                <a:cs typeface="Source Code Pro Medium" charset="0"/>
-              </a:rPr>
-              <a:t>&gt;;</a:t>
-            </a:r>
-          </a:p>
-          <a:p>
-            <a:r>
-              <a:rPr lang="de-DE" sz="2400" dirty="0" smtClean="0">
-                <a:solidFill>
-                  <a:srgbClr val="C14026"/>
-                </a:solidFill>
-                <a:latin typeface="Source Code Pro Medium" charset="0"/>
-                <a:ea typeface="Source Code Pro Medium" charset="0"/>
-                <a:cs typeface="Source Code Pro Medium" charset="0"/>
-              </a:rPr>
-              <a:t>}</a:t>
-            </a:r>
-            <a:endParaRPr lang="de-DE" sz="2400" dirty="0">
+                <a:latin typeface="Source Sans Pro" charset="0"/>
+                <a:ea typeface="Source Sans Pro" charset="0"/>
+                <a:cs typeface="Source Sans Pro" charset="0"/>
+              </a:rPr>
+              <a:t>.NET</a:t>
+            </a:r>
+            <a:endParaRPr lang="de-DE" sz="3200" b="1" dirty="0">
               <a:solidFill>
-                <a:srgbClr val="C14026"/>
+                <a:srgbClr val="36544F"/>
               </a:solidFill>
-              <a:latin typeface="Source Code Pro Medium" charset="0"/>
-              <a:ea typeface="Source Code Pro Medium" charset="0"/>
-              <a:cs typeface="Source Code Pro Medium" charset="0"/>
+              <a:latin typeface="Source Sans Pro" charset="0"/>
+              <a:ea typeface="Source Sans Pro" charset="0"/>
+              <a:cs typeface="Source Sans Pro" charset="0"/>
             </a:endParaRPr>
           </a:p>
         </p:txBody>
       </p:sp>
-      <p:pic>
-        <p:nvPicPr>
-          <p:cNvPr id="6" name="Bild 5"/>
-          <p:cNvPicPr>
-            <a:picLocks noChangeAspect="1"/>
-          </p:cNvPicPr>
-          <p:nvPr/>
-        </p:nvPicPr>
-        <p:blipFill rotWithShape="1">
-          <a:blip r:embed="rId2"/>
-          <a:srcRect r="11261" b="40560"/>
-          <a:stretch/>
-        </p:blipFill>
-        <p:spPr>
-          <a:xfrm>
-            <a:off x="3676807" y="1305591"/>
-            <a:ext cx="4838387" cy="568912"/>
-          </a:xfrm>
-          <a:prstGeom prst="rect">
-            <a:avLst/>
-          </a:prstGeom>
-        </p:spPr>
-      </p:pic>
     </p:spTree>
     <p:extLst>
       <p:ext uri="{BB962C8B-B14F-4D97-AF65-F5344CB8AC3E}">
-        <p14:creationId xmlns:p14="http://schemas.microsoft.com/office/powerpoint/2010/main" val="345473856"/>
+        <p14:creationId xmlns:p14="http://schemas.microsoft.com/office/powerpoint/2010/main" val="1072893827"/>
       </p:ext>
     </p:extLst>
   </p:cSld>
@@ -1150,20 +2912,1217 @@
           <a:p>
             <a:r>
               <a:rPr lang="de-DE" dirty="0" smtClean="0"/>
-              <a:t>Hallo </a:t>
+              <a:t>http://</a:t>
             </a:r>
             <a:r>
               <a:rPr lang="de-DE" dirty="0" err="1" smtClean="0"/>
+              <a:t>reactbuch.de</a:t>
+            </a:r>
+            <a:endParaRPr lang="de-DE" dirty="0"/>
+          </a:p>
+        </p:txBody>
+      </p:sp>
+      <p:pic>
+        <p:nvPicPr>
+          <p:cNvPr id="3" name="Bild 2"/>
+          <p:cNvPicPr>
+            <a:picLocks noChangeAspect="1"/>
+          </p:cNvPicPr>
+          <p:nvPr/>
+        </p:nvPicPr>
+        <p:blipFill>
+          <a:blip r:embed="rId2">
+            <a:extLst>
+              <a:ext uri="{28A0092B-C50C-407E-A947-70E740481C1C}">
+                <a14:useLocalDpi xmlns:a14="http://schemas.microsoft.com/office/drawing/2010/main" val="0"/>
+              </a:ext>
+            </a:extLst>
+          </a:blip>
+          <a:stretch>
+            <a:fillRect/>
+          </a:stretch>
+        </p:blipFill>
+        <p:spPr>
+          <a:xfrm>
+            <a:off x="4427342" y="369454"/>
+            <a:ext cx="3337316" cy="4849091"/>
+          </a:xfrm>
+          <a:prstGeom prst="rect">
+            <a:avLst/>
+          </a:prstGeom>
+          <a:ln>
+            <a:solidFill>
+              <a:srgbClr val="36544F"/>
+            </a:solidFill>
+          </a:ln>
+        </p:spPr>
+      </p:pic>
+    </p:spTree>
+    <p:extLst>
+      <p:ext uri="{BB962C8B-B14F-4D97-AF65-F5344CB8AC3E}">
+        <p14:creationId xmlns:p14="http://schemas.microsoft.com/office/powerpoint/2010/main" val="456213094"/>
+      </p:ext>
+    </p:extLst>
+  </p:cSld>
+  <p:clrMapOvr>
+    <a:masterClrMapping/>
+  </p:clrMapOvr>
+  <p:timing>
+    <p:tnLst>
+      <p:par>
+        <p:cTn id="1" dur="indefinite" restart="never" nodeType="tmRoot"/>
+      </p:par>
+    </p:tnLst>
+  </p:timing>
+</p:sld>
+</file>
+
+<file path=ppt/slides/slide4.xml><?xml version="1.0" encoding="utf-8"?>
+<p:sld xmlns:a="http://schemas.openxmlformats.org/drawingml/2006/main" xmlns:r="http://schemas.openxmlformats.org/officeDocument/2006/relationships" xmlns:p="http://schemas.openxmlformats.org/presentationml/2006/main">
+  <p:cSld>
+    <p:spTree>
+      <p:nvGrpSpPr>
+        <p:cNvPr id="1" name=""/>
+        <p:cNvGrpSpPr/>
+        <p:nvPr/>
+      </p:nvGrpSpPr>
+      <p:grpSpPr>
+        <a:xfrm>
+          <a:off x="0" y="0"/>
+          <a:ext cx="0" cy="0"/>
+          <a:chOff x="0" y="0"/>
+          <a:chExt cx="0" cy="0"/>
+        </a:xfrm>
+      </p:grpSpPr>
+      <p:sp>
+        <p:nvSpPr>
+          <p:cNvPr id="3" name="Rechteck 2"/>
+          <p:cNvSpPr/>
+          <p:nvPr/>
+        </p:nvSpPr>
+        <p:spPr>
+          <a:xfrm>
+            <a:off x="1420368" y="1369568"/>
+            <a:ext cx="9351264" cy="1384995"/>
+          </a:xfrm>
+          <a:prstGeom prst="rect">
+            <a:avLst/>
+          </a:prstGeom>
+        </p:spPr>
+        <p:txBody>
+          <a:bodyPr wrap="square">
+            <a:spAutoFit/>
+          </a:bodyPr>
+          <a:lstStyle/>
+          <a:p>
+            <a:pPr algn="ctr"/>
+            <a:r>
+              <a:rPr lang="de-DE" sz="3600" b="1" dirty="0">
+                <a:solidFill>
+                  <a:srgbClr val="025249"/>
+                </a:solidFill>
+                <a:latin typeface="Source Sans Pro Semibold" charset="0"/>
+                <a:ea typeface="Source Sans Pro Semibold" charset="0"/>
+                <a:cs typeface="Source Sans Pro Semibold" charset="0"/>
+              </a:rPr>
+              <a:t>A JAVASCRIPT LIBRARY FOR BUILDING</a:t>
+            </a:r>
+          </a:p>
+          <a:p>
+            <a:pPr algn="ctr"/>
+            <a:r>
+              <a:rPr lang="de-DE" sz="4800" b="1" dirty="0">
+                <a:solidFill>
+                  <a:srgbClr val="EF7D1D"/>
+                </a:solidFill>
+                <a:latin typeface="Source Sans Pro Semibold" charset="0"/>
+                <a:ea typeface="Source Sans Pro Semibold" charset="0"/>
+                <a:cs typeface="Source Sans Pro Semibold" charset="0"/>
+              </a:rPr>
+              <a:t>USER INTERFACES</a:t>
+            </a:r>
+          </a:p>
+        </p:txBody>
+      </p:sp>
+      <p:sp>
+        <p:nvSpPr>
+          <p:cNvPr id="4" name="Rechteck 3"/>
+          <p:cNvSpPr/>
+          <p:nvPr/>
+        </p:nvSpPr>
+        <p:spPr>
+          <a:xfrm>
+            <a:off x="2146842" y="2831705"/>
+            <a:ext cx="7898316" cy="3770263"/>
+          </a:xfrm>
+          <a:prstGeom prst="rect">
+            <a:avLst/>
+          </a:prstGeom>
+        </p:spPr>
+        <p:txBody>
+          <a:bodyPr wrap="none">
+            <a:spAutoFit/>
+          </a:bodyPr>
+          <a:lstStyle/>
+          <a:p>
+            <a:r>
+              <a:rPr lang="de-DE" sz="23900" b="1" dirty="0" err="1">
+                <a:solidFill>
+                  <a:srgbClr val="025249"/>
+                </a:solidFill>
+                <a:latin typeface="Source Sans Pro" charset="0"/>
+                <a:ea typeface="Source Sans Pro" charset="0"/>
+                <a:cs typeface="Source Sans Pro" charset="0"/>
+              </a:rPr>
               <a:t>React</a:t>
             </a:r>
-            <a:endParaRPr lang="de-DE" dirty="0"/>
+            <a:endParaRPr lang="de-DE" sz="3600" b="1" dirty="0">
+              <a:solidFill>
+                <a:srgbClr val="025249"/>
+              </a:solidFill>
+              <a:latin typeface="Source Sans Pro" charset="0"/>
+              <a:ea typeface="Source Sans Pro" charset="0"/>
+              <a:cs typeface="Source Sans Pro" charset="0"/>
+            </a:endParaRPr>
+          </a:p>
+        </p:txBody>
+      </p:sp>
+      <p:sp>
+        <p:nvSpPr>
+          <p:cNvPr id="5" name="Titel 4"/>
+          <p:cNvSpPr>
+            <a:spLocks noGrp="1"/>
+          </p:cNvSpPr>
+          <p:nvPr>
+            <p:ph type="title"/>
+          </p:nvPr>
+        </p:nvSpPr>
+        <p:spPr/>
+        <p:txBody>
+          <a:bodyPr/>
+          <a:lstStyle/>
+          <a:p>
+            <a:endParaRPr lang="de-DE"/>
           </a:p>
         </p:txBody>
       </p:sp>
     </p:spTree>
     <p:extLst>
       <p:ext uri="{BB962C8B-B14F-4D97-AF65-F5344CB8AC3E}">
-        <p14:creationId xmlns:p14="http://schemas.microsoft.com/office/powerpoint/2010/main" val="695384258"/>
+        <p14:creationId xmlns:p14="http://schemas.microsoft.com/office/powerpoint/2010/main" val="501836587"/>
+      </p:ext>
+    </p:extLst>
+  </p:cSld>
+  <p:clrMapOvr>
+    <a:masterClrMapping/>
+  </p:clrMapOvr>
+  <p:timing>
+    <p:tnLst>
+      <p:par>
+        <p:cTn id="1" dur="indefinite" restart="never" nodeType="tmRoot"/>
+      </p:par>
+    </p:tnLst>
+  </p:timing>
+</p:sld>
+</file>
+
+<file path=ppt/slides/slide5.xml><?xml version="1.0" encoding="utf-8"?>
+<p:sld xmlns:a="http://schemas.openxmlformats.org/drawingml/2006/main" xmlns:r="http://schemas.openxmlformats.org/officeDocument/2006/relationships" xmlns:p="http://schemas.openxmlformats.org/presentationml/2006/main">
+  <p:cSld>
+    <p:spTree>
+      <p:nvGrpSpPr>
+        <p:cNvPr id="1" name=""/>
+        <p:cNvGrpSpPr/>
+        <p:nvPr/>
+      </p:nvGrpSpPr>
+      <p:grpSpPr>
+        <a:xfrm>
+          <a:off x="0" y="0"/>
+          <a:ext cx="0" cy="0"/>
+          <a:chOff x="0" y="0"/>
+          <a:chExt cx="0" cy="0"/>
+        </a:xfrm>
+      </p:grpSpPr>
+      <p:sp>
+        <p:nvSpPr>
+          <p:cNvPr id="3" name="Rechteck 2"/>
+          <p:cNvSpPr/>
+          <p:nvPr/>
+        </p:nvSpPr>
+        <p:spPr>
+          <a:xfrm>
+            <a:off x="1420368" y="1369568"/>
+            <a:ext cx="9351264" cy="830997"/>
+          </a:xfrm>
+          <a:prstGeom prst="rect">
+            <a:avLst/>
+          </a:prstGeom>
+        </p:spPr>
+        <p:txBody>
+          <a:bodyPr wrap="square">
+            <a:spAutoFit/>
+          </a:bodyPr>
+          <a:lstStyle/>
+          <a:p>
+            <a:pPr algn="ctr"/>
+            <a:r>
+              <a:rPr lang="de-DE" sz="4800" b="1" dirty="0" smtClean="0">
+                <a:solidFill>
+                  <a:srgbClr val="EF7D1D"/>
+                </a:solidFill>
+                <a:latin typeface="Source Sans Pro Semibold" charset="0"/>
+                <a:ea typeface="Source Sans Pro Semibold" charset="0"/>
+                <a:cs typeface="Source Sans Pro Semibold" charset="0"/>
+              </a:rPr>
+              <a:t>SINGLE PAGE APPLICATIONS</a:t>
+            </a:r>
+            <a:endParaRPr lang="de-DE" sz="4800" b="1" dirty="0">
+              <a:solidFill>
+                <a:srgbClr val="EF7D1D"/>
+              </a:solidFill>
+              <a:latin typeface="Source Sans Pro Semibold" charset="0"/>
+              <a:ea typeface="Source Sans Pro Semibold" charset="0"/>
+              <a:cs typeface="Source Sans Pro Semibold" charset="0"/>
+            </a:endParaRPr>
+          </a:p>
+        </p:txBody>
+      </p:sp>
+      <p:sp>
+        <p:nvSpPr>
+          <p:cNvPr id="4" name="Rechteck 3"/>
+          <p:cNvSpPr/>
+          <p:nvPr/>
+        </p:nvSpPr>
+        <p:spPr>
+          <a:xfrm>
+            <a:off x="2146842" y="2831705"/>
+            <a:ext cx="7898316" cy="3770263"/>
+          </a:xfrm>
+          <a:prstGeom prst="rect">
+            <a:avLst/>
+          </a:prstGeom>
+        </p:spPr>
+        <p:txBody>
+          <a:bodyPr wrap="none">
+            <a:spAutoFit/>
+          </a:bodyPr>
+          <a:lstStyle/>
+          <a:p>
+            <a:r>
+              <a:rPr lang="de-DE" sz="23900" b="1" dirty="0" err="1">
+                <a:solidFill>
+                  <a:srgbClr val="025249"/>
+                </a:solidFill>
+                <a:latin typeface="Source Sans Pro" charset="0"/>
+                <a:ea typeface="Source Sans Pro" charset="0"/>
+                <a:cs typeface="Source Sans Pro" charset="0"/>
+              </a:rPr>
+              <a:t>React</a:t>
+            </a:r>
+            <a:endParaRPr lang="de-DE" sz="3600" b="1" dirty="0">
+              <a:solidFill>
+                <a:srgbClr val="025249"/>
+              </a:solidFill>
+              <a:latin typeface="Source Sans Pro" charset="0"/>
+              <a:ea typeface="Source Sans Pro" charset="0"/>
+              <a:cs typeface="Source Sans Pro" charset="0"/>
+            </a:endParaRPr>
+          </a:p>
+        </p:txBody>
+      </p:sp>
+      <p:sp>
+        <p:nvSpPr>
+          <p:cNvPr id="5" name="Titel 4"/>
+          <p:cNvSpPr>
+            <a:spLocks noGrp="1"/>
+          </p:cNvSpPr>
+          <p:nvPr>
+            <p:ph type="title"/>
+          </p:nvPr>
+        </p:nvSpPr>
+        <p:spPr/>
+        <p:txBody>
+          <a:bodyPr/>
+          <a:lstStyle/>
+          <a:p>
+            <a:endParaRPr lang="de-DE"/>
+          </a:p>
+        </p:txBody>
+      </p:sp>
+    </p:spTree>
+    <p:extLst>
+      <p:ext uri="{BB962C8B-B14F-4D97-AF65-F5344CB8AC3E}">
+        <p14:creationId xmlns:p14="http://schemas.microsoft.com/office/powerpoint/2010/main" val="990654363"/>
+      </p:ext>
+    </p:extLst>
+  </p:cSld>
+  <p:clrMapOvr>
+    <a:masterClrMapping/>
+  </p:clrMapOvr>
+  <p:timing>
+    <p:tnLst>
+      <p:par>
+        <p:cTn id="1" dur="indefinite" restart="never" nodeType="tmRoot"/>
+      </p:par>
+    </p:tnLst>
+  </p:timing>
+</p:sld>
+</file>
+
+<file path=ppt/slides/slide6.xml><?xml version="1.0" encoding="utf-8"?>
+<p:sld xmlns:a="http://schemas.openxmlformats.org/drawingml/2006/main" xmlns:r="http://schemas.openxmlformats.org/officeDocument/2006/relationships" xmlns:p="http://schemas.openxmlformats.org/presentationml/2006/main">
+  <p:cSld>
+    <p:spTree>
+      <p:nvGrpSpPr>
+        <p:cNvPr id="1" name=""/>
+        <p:cNvGrpSpPr/>
+        <p:nvPr/>
+      </p:nvGrpSpPr>
+      <p:grpSpPr>
+        <a:xfrm>
+          <a:off x="0" y="0"/>
+          <a:ext cx="0" cy="0"/>
+          <a:chOff x="0" y="0"/>
+          <a:chExt cx="0" cy="0"/>
+        </a:xfrm>
+      </p:grpSpPr>
+      <p:sp>
+        <p:nvSpPr>
+          <p:cNvPr id="3" name="Rechteck 2"/>
+          <p:cNvSpPr/>
+          <p:nvPr/>
+        </p:nvSpPr>
+        <p:spPr>
+          <a:xfrm>
+            <a:off x="1420368" y="1369568"/>
+            <a:ext cx="9351264" cy="1323439"/>
+          </a:xfrm>
+          <a:prstGeom prst="rect">
+            <a:avLst/>
+          </a:prstGeom>
+        </p:spPr>
+        <p:txBody>
+          <a:bodyPr wrap="square">
+            <a:spAutoFit/>
+          </a:bodyPr>
+          <a:lstStyle/>
+          <a:p>
+            <a:pPr algn="ctr"/>
+            <a:r>
+              <a:rPr lang="de-DE" sz="4800" b="1" dirty="0" smtClean="0">
+                <a:solidFill>
+                  <a:srgbClr val="EF7D1D"/>
+                </a:solidFill>
+                <a:latin typeface="Source Sans Pro Semibold" charset="0"/>
+                <a:ea typeface="Source Sans Pro Semibold" charset="0"/>
+                <a:cs typeface="Source Sans Pro Semibold" charset="0"/>
+              </a:rPr>
+              <a:t>OPEN SOURCE VON FACEBOOK</a:t>
+            </a:r>
+          </a:p>
+          <a:p>
+            <a:pPr algn="ctr"/>
+            <a:r>
+              <a:rPr lang="de-DE" sz="3200" dirty="0" smtClean="0">
+                <a:solidFill>
+                  <a:srgbClr val="025249"/>
+                </a:solidFill>
+                <a:latin typeface="Source Code Pro" charset="0"/>
+                <a:ea typeface="Source Code Pro" charset="0"/>
+                <a:cs typeface="Source Code Pro" charset="0"/>
+              </a:rPr>
+              <a:t>https://</a:t>
+            </a:r>
+            <a:r>
+              <a:rPr lang="de-DE" sz="3200" dirty="0" err="1" smtClean="0">
+                <a:solidFill>
+                  <a:srgbClr val="025249"/>
+                </a:solidFill>
+                <a:latin typeface="Source Code Pro" charset="0"/>
+                <a:ea typeface="Source Code Pro" charset="0"/>
+                <a:cs typeface="Source Code Pro" charset="0"/>
+              </a:rPr>
+              <a:t>facebook.github.io</a:t>
+            </a:r>
+            <a:r>
+              <a:rPr lang="de-DE" sz="3200" dirty="0" smtClean="0">
+                <a:solidFill>
+                  <a:srgbClr val="025249"/>
+                </a:solidFill>
+                <a:latin typeface="Source Code Pro" charset="0"/>
+                <a:ea typeface="Source Code Pro" charset="0"/>
+                <a:cs typeface="Source Code Pro" charset="0"/>
+              </a:rPr>
+              <a:t>/</a:t>
+            </a:r>
+            <a:r>
+              <a:rPr lang="de-DE" sz="3200" dirty="0" err="1" smtClean="0">
+                <a:solidFill>
+                  <a:srgbClr val="025249"/>
+                </a:solidFill>
+                <a:latin typeface="Source Code Pro" charset="0"/>
+                <a:ea typeface="Source Code Pro" charset="0"/>
+                <a:cs typeface="Source Code Pro" charset="0"/>
+              </a:rPr>
+              <a:t>react</a:t>
+            </a:r>
+            <a:endParaRPr lang="de-DE" sz="2800" dirty="0">
+              <a:solidFill>
+                <a:srgbClr val="025249"/>
+              </a:solidFill>
+              <a:latin typeface="Source Code Pro" charset="0"/>
+              <a:ea typeface="Source Code Pro" charset="0"/>
+              <a:cs typeface="Source Code Pro" charset="0"/>
+            </a:endParaRPr>
+          </a:p>
+        </p:txBody>
+      </p:sp>
+      <p:sp>
+        <p:nvSpPr>
+          <p:cNvPr id="4" name="Rechteck 3"/>
+          <p:cNvSpPr/>
+          <p:nvPr/>
+        </p:nvSpPr>
+        <p:spPr>
+          <a:xfrm>
+            <a:off x="2146842" y="2831705"/>
+            <a:ext cx="7898316" cy="3770263"/>
+          </a:xfrm>
+          <a:prstGeom prst="rect">
+            <a:avLst/>
+          </a:prstGeom>
+        </p:spPr>
+        <p:txBody>
+          <a:bodyPr wrap="none">
+            <a:spAutoFit/>
+          </a:bodyPr>
+          <a:lstStyle/>
+          <a:p>
+            <a:r>
+              <a:rPr lang="de-DE" sz="23900" b="1" dirty="0" err="1">
+                <a:solidFill>
+                  <a:srgbClr val="025249"/>
+                </a:solidFill>
+                <a:latin typeface="Source Sans Pro" charset="0"/>
+                <a:ea typeface="Source Sans Pro" charset="0"/>
+                <a:cs typeface="Source Sans Pro" charset="0"/>
+              </a:rPr>
+              <a:t>React</a:t>
+            </a:r>
+            <a:endParaRPr lang="de-DE" sz="3600" b="1" dirty="0">
+              <a:solidFill>
+                <a:srgbClr val="025249"/>
+              </a:solidFill>
+              <a:latin typeface="Source Sans Pro" charset="0"/>
+              <a:ea typeface="Source Sans Pro" charset="0"/>
+              <a:cs typeface="Source Sans Pro" charset="0"/>
+            </a:endParaRPr>
+          </a:p>
+        </p:txBody>
+      </p:sp>
+      <p:sp>
+        <p:nvSpPr>
+          <p:cNvPr id="5" name="Titel 4"/>
+          <p:cNvSpPr>
+            <a:spLocks noGrp="1"/>
+          </p:cNvSpPr>
+          <p:nvPr>
+            <p:ph type="title"/>
+          </p:nvPr>
+        </p:nvSpPr>
+        <p:spPr/>
+        <p:txBody>
+          <a:bodyPr/>
+          <a:lstStyle/>
+          <a:p>
+            <a:endParaRPr lang="de-DE"/>
+          </a:p>
+        </p:txBody>
+      </p:sp>
+    </p:spTree>
+    <p:extLst>
+      <p:ext uri="{BB962C8B-B14F-4D97-AF65-F5344CB8AC3E}">
+        <p14:creationId xmlns:p14="http://schemas.microsoft.com/office/powerpoint/2010/main" val="1867491889"/>
+      </p:ext>
+    </p:extLst>
+  </p:cSld>
+  <p:clrMapOvr>
+    <a:masterClrMapping/>
+  </p:clrMapOvr>
+  <p:timing>
+    <p:tnLst>
+      <p:par>
+        <p:cTn id="1" dur="indefinite" restart="never" nodeType="tmRoot"/>
+      </p:par>
+    </p:tnLst>
+  </p:timing>
+</p:sld>
+</file>
+
+<file path=ppt/slides/slide7.xml><?xml version="1.0" encoding="utf-8"?>
+<p:sld xmlns:a="http://schemas.openxmlformats.org/drawingml/2006/main" xmlns:r="http://schemas.openxmlformats.org/officeDocument/2006/relationships" xmlns:p="http://schemas.openxmlformats.org/presentationml/2006/main">
+  <p:cSld>
+    <p:spTree>
+      <p:nvGrpSpPr>
+        <p:cNvPr id="1" name=""/>
+        <p:cNvGrpSpPr/>
+        <p:nvPr/>
+      </p:nvGrpSpPr>
+      <p:grpSpPr>
+        <a:xfrm>
+          <a:off x="0" y="0"/>
+          <a:ext cx="0" cy="0"/>
+          <a:chOff x="0" y="0"/>
+          <a:chExt cx="0" cy="0"/>
+        </a:xfrm>
+      </p:grpSpPr>
+      <p:sp>
+        <p:nvSpPr>
+          <p:cNvPr id="4" name="Rechteck 3"/>
+          <p:cNvSpPr/>
+          <p:nvPr/>
+        </p:nvSpPr>
+        <p:spPr>
+          <a:xfrm>
+            <a:off x="2146842" y="2514713"/>
+            <a:ext cx="8634095" cy="3770263"/>
+          </a:xfrm>
+          <a:prstGeom prst="rect">
+            <a:avLst/>
+          </a:prstGeom>
+        </p:spPr>
+        <p:txBody>
+          <a:bodyPr wrap="none">
+            <a:spAutoFit/>
+          </a:bodyPr>
+          <a:lstStyle/>
+          <a:p>
+            <a:pPr algn="r"/>
+            <a:r>
+              <a:rPr lang="de-DE" sz="23900" b="1" dirty="0" smtClean="0">
+                <a:solidFill>
+                  <a:srgbClr val="E99866"/>
+                </a:solidFill>
+                <a:latin typeface="Montserrat" charset="0"/>
+                <a:ea typeface="Montserrat" charset="0"/>
+                <a:cs typeface="Montserrat" charset="0"/>
+              </a:rPr>
+              <a:t>v 15.0</a:t>
+            </a:r>
+            <a:endParaRPr lang="de-DE" sz="3600" b="1" dirty="0">
+              <a:solidFill>
+                <a:srgbClr val="E99866"/>
+              </a:solidFill>
+              <a:latin typeface="Montserrat" charset="0"/>
+              <a:ea typeface="Montserrat" charset="0"/>
+              <a:cs typeface="Montserrat" charset="0"/>
+            </a:endParaRPr>
+          </a:p>
+        </p:txBody>
+      </p:sp>
+      <p:sp>
+        <p:nvSpPr>
+          <p:cNvPr id="5" name="Titel 4"/>
+          <p:cNvSpPr>
+            <a:spLocks noGrp="1"/>
+          </p:cNvSpPr>
+          <p:nvPr>
+            <p:ph type="title"/>
+          </p:nvPr>
+        </p:nvSpPr>
+        <p:spPr/>
+        <p:txBody>
+          <a:bodyPr/>
+          <a:lstStyle/>
+          <a:p>
+            <a:r>
+              <a:rPr lang="de-DE" dirty="0" smtClean="0"/>
+              <a:t>Aktuelle Version</a:t>
+            </a:r>
+            <a:endParaRPr lang="de-DE" dirty="0"/>
+          </a:p>
+        </p:txBody>
+      </p:sp>
+      <p:sp>
+        <p:nvSpPr>
+          <p:cNvPr id="6" name="Rechteck 5"/>
+          <p:cNvSpPr/>
+          <p:nvPr/>
+        </p:nvSpPr>
+        <p:spPr>
+          <a:xfrm>
+            <a:off x="7404692" y="1596366"/>
+            <a:ext cx="3376245" cy="1446550"/>
+          </a:xfrm>
+          <a:prstGeom prst="rect">
+            <a:avLst/>
+          </a:prstGeom>
+        </p:spPr>
+        <p:txBody>
+          <a:bodyPr wrap="none">
+            <a:spAutoFit/>
+          </a:bodyPr>
+          <a:lstStyle/>
+          <a:p>
+            <a:pPr algn="r"/>
+            <a:r>
+              <a:rPr lang="de-DE" sz="8800" b="1" dirty="0" smtClean="0">
+                <a:solidFill>
+                  <a:srgbClr val="5AB88F"/>
+                </a:solidFill>
+                <a:latin typeface="Montserrat" charset="0"/>
+                <a:ea typeface="Montserrat" charset="0"/>
+                <a:cs typeface="Montserrat" charset="0"/>
+              </a:rPr>
+              <a:t>0.14.7</a:t>
+            </a:r>
+            <a:endParaRPr lang="de-DE" sz="1600" b="1" dirty="0">
+              <a:solidFill>
+                <a:srgbClr val="5AB88F"/>
+              </a:solidFill>
+              <a:latin typeface="Montserrat" charset="0"/>
+              <a:ea typeface="Montserrat" charset="0"/>
+              <a:cs typeface="Montserrat" charset="0"/>
+            </a:endParaRPr>
+          </a:p>
+        </p:txBody>
+      </p:sp>
+      <p:sp>
+        <p:nvSpPr>
+          <p:cNvPr id="7" name="Rechteck 6"/>
+          <p:cNvSpPr/>
+          <p:nvPr/>
+        </p:nvSpPr>
+        <p:spPr>
+          <a:xfrm>
+            <a:off x="9323487" y="248528"/>
+            <a:ext cx="1457450" cy="1107996"/>
+          </a:xfrm>
+          <a:prstGeom prst="rect">
+            <a:avLst/>
+          </a:prstGeom>
+        </p:spPr>
+        <p:txBody>
+          <a:bodyPr wrap="none">
+            <a:spAutoFit/>
+          </a:bodyPr>
+          <a:lstStyle/>
+          <a:p>
+            <a:pPr algn="r"/>
+            <a:r>
+              <a:rPr lang="de-DE" sz="6600" b="1" dirty="0" smtClean="0">
+                <a:solidFill>
+                  <a:srgbClr val="5AB88F"/>
+                </a:solidFill>
+                <a:latin typeface="Montserrat" charset="0"/>
+                <a:ea typeface="Montserrat" charset="0"/>
+                <a:cs typeface="Montserrat" charset="0"/>
+              </a:rPr>
+              <a:t>0.3</a:t>
+            </a:r>
+            <a:endParaRPr lang="de-DE" sz="1100" b="1" dirty="0">
+              <a:solidFill>
+                <a:srgbClr val="5AB88F"/>
+              </a:solidFill>
+              <a:latin typeface="Montserrat" charset="0"/>
+              <a:ea typeface="Montserrat" charset="0"/>
+              <a:cs typeface="Montserrat" charset="0"/>
+            </a:endParaRPr>
+          </a:p>
+        </p:txBody>
+      </p:sp>
+      <p:sp>
+        <p:nvSpPr>
+          <p:cNvPr id="2" name="Rechteck 1"/>
+          <p:cNvSpPr/>
+          <p:nvPr/>
+        </p:nvSpPr>
+        <p:spPr>
+          <a:xfrm>
+            <a:off x="8371303" y="1170308"/>
+            <a:ext cx="2409634" cy="338554"/>
+          </a:xfrm>
+          <a:prstGeom prst="rect">
+            <a:avLst/>
+          </a:prstGeom>
+        </p:spPr>
+        <p:txBody>
+          <a:bodyPr wrap="none">
+            <a:spAutoFit/>
+          </a:bodyPr>
+          <a:lstStyle/>
+          <a:p>
+            <a:r>
+              <a:rPr lang="de-DE" sz="1600" b="1" dirty="0" smtClean="0">
+                <a:solidFill>
+                  <a:srgbClr val="025249"/>
+                </a:solidFill>
+                <a:latin typeface="Source Sans Pro Semibold" charset="0"/>
+                <a:ea typeface="Source Sans Pro Semibold" charset="0"/>
+                <a:cs typeface="Source Sans Pro Semibold" charset="0"/>
+              </a:rPr>
+              <a:t>05 | 2013 – OPEN SOURCE</a:t>
+            </a:r>
+            <a:endParaRPr lang="de-DE" sz="1600" dirty="0"/>
+          </a:p>
+        </p:txBody>
+      </p:sp>
+      <p:sp>
+        <p:nvSpPr>
+          <p:cNvPr id="11" name="Freihandform 10"/>
+          <p:cNvSpPr/>
+          <p:nvPr/>
+        </p:nvSpPr>
+        <p:spPr>
+          <a:xfrm>
+            <a:off x="3570971" y="2514713"/>
+            <a:ext cx="3833721" cy="1106311"/>
+          </a:xfrm>
+          <a:custGeom>
+            <a:avLst/>
+            <a:gdLst>
+              <a:gd name="connsiteX0" fmla="*/ 3833721 w 3833721"/>
+              <a:gd name="connsiteY0" fmla="*/ 56792 h 837080"/>
+              <a:gd name="connsiteX1" fmla="*/ 151737 w 3833721"/>
+              <a:gd name="connsiteY1" fmla="*/ 81176 h 837080"/>
+              <a:gd name="connsiteX2" fmla="*/ 651609 w 3833721"/>
+              <a:gd name="connsiteY2" fmla="*/ 837080 h 837080"/>
+            </a:gdLst>
+            <a:ahLst/>
+            <a:cxnLst>
+              <a:cxn ang="0">
+                <a:pos x="connsiteX0" y="connsiteY0"/>
+              </a:cxn>
+              <a:cxn ang="0">
+                <a:pos x="connsiteX1" y="connsiteY1"/>
+              </a:cxn>
+              <a:cxn ang="0">
+                <a:pos x="connsiteX2" y="connsiteY2"/>
+              </a:cxn>
+            </a:cxnLst>
+            <a:rect l="l" t="t" r="r" b="b"/>
+            <a:pathLst>
+              <a:path w="3833721" h="837080">
+                <a:moveTo>
+                  <a:pt x="3833721" y="56792"/>
+                </a:moveTo>
+                <a:cubicBezTo>
+                  <a:pt x="2257905" y="3960"/>
+                  <a:pt x="682089" y="-48872"/>
+                  <a:pt x="151737" y="81176"/>
+                </a:cubicBezTo>
+                <a:cubicBezTo>
+                  <a:pt x="-378615" y="211224"/>
+                  <a:pt x="651609" y="837080"/>
+                  <a:pt x="651609" y="837080"/>
+                </a:cubicBezTo>
+              </a:path>
+            </a:pathLst>
+          </a:custGeom>
+          <a:noFill/>
+          <a:ln w="34925">
+            <a:solidFill>
+              <a:srgbClr val="025249"/>
+            </a:solidFill>
+            <a:tailEnd type="triangle" w="med" len="lg"/>
+          </a:ln>
+        </p:spPr>
+        <p:style>
+          <a:lnRef idx="2">
+            <a:schemeClr val="accent1">
+              <a:shade val="50000"/>
+            </a:schemeClr>
+          </a:lnRef>
+          <a:fillRef idx="1">
+            <a:schemeClr val="accent1"/>
+          </a:fillRef>
+          <a:effectRef idx="0">
+            <a:schemeClr val="accent1"/>
+          </a:effectRef>
+          <a:fontRef idx="minor">
+            <a:schemeClr val="lt1"/>
+          </a:fontRef>
+        </p:style>
+        <p:txBody>
+          <a:bodyPr rtlCol="0" anchor="ctr"/>
+          <a:lstStyle/>
+          <a:p>
+            <a:pPr algn="ctr"/>
+            <a:endParaRPr lang="de-DE"/>
+          </a:p>
+        </p:txBody>
+      </p:sp>
+    </p:spTree>
+    <p:extLst>
+      <p:ext uri="{BB962C8B-B14F-4D97-AF65-F5344CB8AC3E}">
+        <p14:creationId xmlns:p14="http://schemas.microsoft.com/office/powerpoint/2010/main" val="819511810"/>
+      </p:ext>
+    </p:extLst>
+  </p:cSld>
+  <p:clrMapOvr>
+    <a:masterClrMapping/>
+  </p:clrMapOvr>
+  <p:timing>
+    <p:tnLst>
+      <p:par>
+        <p:cTn id="1" dur="indefinite" restart="never" nodeType="tmRoot"/>
+      </p:par>
+    </p:tnLst>
+  </p:timing>
+</p:sld>
+</file>
+
+<file path=ppt/slides/slide8.xml><?xml version="1.0" encoding="utf-8"?>
+<p:sld xmlns:a="http://schemas.openxmlformats.org/drawingml/2006/main" xmlns:r="http://schemas.openxmlformats.org/officeDocument/2006/relationships" xmlns:p="http://schemas.openxmlformats.org/presentationml/2006/main">
+  <p:cSld>
+    <p:spTree>
+      <p:nvGrpSpPr>
+        <p:cNvPr id="1" name=""/>
+        <p:cNvGrpSpPr/>
+        <p:nvPr/>
+      </p:nvGrpSpPr>
+      <p:grpSpPr>
+        <a:xfrm>
+          <a:off x="0" y="0"/>
+          <a:ext cx="0" cy="0"/>
+          <a:chOff x="0" y="0"/>
+          <a:chExt cx="0" cy="0"/>
+        </a:xfrm>
+      </p:grpSpPr>
+      <p:sp>
+        <p:nvSpPr>
+          <p:cNvPr id="2" name="Titel 1"/>
+          <p:cNvSpPr>
+            <a:spLocks noGrp="1"/>
+          </p:cNvSpPr>
+          <p:nvPr>
+            <p:ph type="title"/>
+          </p:nvPr>
+        </p:nvSpPr>
+        <p:spPr/>
+        <p:txBody>
+          <a:bodyPr/>
+          <a:lstStyle/>
+          <a:p>
+            <a:r>
+              <a:rPr lang="de-DE" dirty="0" err="1" smtClean="0"/>
+              <a:t>Built</a:t>
+            </a:r>
+            <a:r>
+              <a:rPr lang="de-DE" dirty="0" smtClean="0"/>
+              <a:t> </a:t>
+            </a:r>
+            <a:r>
+              <a:rPr lang="de-DE" dirty="0" err="1" smtClean="0"/>
+              <a:t>with</a:t>
+            </a:r>
+            <a:r>
+              <a:rPr lang="de-DE" dirty="0" smtClean="0"/>
+              <a:t> </a:t>
+            </a:r>
+            <a:r>
+              <a:rPr lang="de-DE" dirty="0" err="1" smtClean="0"/>
+              <a:t>React</a:t>
+            </a:r>
+            <a:endParaRPr lang="de-DE" dirty="0"/>
+          </a:p>
+        </p:txBody>
+      </p:sp>
+      <p:grpSp>
+        <p:nvGrpSpPr>
+          <p:cNvPr id="9" name="Gruppierung 8"/>
+          <p:cNvGrpSpPr/>
+          <p:nvPr/>
+        </p:nvGrpSpPr>
+        <p:grpSpPr>
+          <a:xfrm>
+            <a:off x="1981200" y="489377"/>
+            <a:ext cx="8229600" cy="4955986"/>
+            <a:chOff x="2066544" y="404033"/>
+            <a:chExt cx="8229600" cy="4955986"/>
+          </a:xfrm>
+        </p:grpSpPr>
+        <p:pic>
+          <p:nvPicPr>
+            <p:cNvPr id="3" name="Bild 2"/>
+            <p:cNvPicPr>
+              <a:picLocks noChangeAspect="1"/>
+            </p:cNvPicPr>
+            <p:nvPr/>
+          </p:nvPicPr>
+          <p:blipFill>
+            <a:blip r:embed="rId2"/>
+            <a:stretch>
+              <a:fillRect/>
+            </a:stretch>
+          </p:blipFill>
+          <p:spPr>
+            <a:xfrm>
+              <a:off x="2066544" y="404033"/>
+              <a:ext cx="2383437" cy="2190717"/>
+            </a:xfrm>
+            <a:prstGeom prst="rect">
+              <a:avLst/>
+            </a:prstGeom>
+          </p:spPr>
+        </p:pic>
+        <p:pic>
+          <p:nvPicPr>
+            <p:cNvPr id="4" name="Bild 3"/>
+            <p:cNvPicPr>
+              <a:picLocks noChangeAspect="1"/>
+            </p:cNvPicPr>
+            <p:nvPr/>
+          </p:nvPicPr>
+          <p:blipFill>
+            <a:blip r:embed="rId3"/>
+            <a:stretch>
+              <a:fillRect/>
+            </a:stretch>
+          </p:blipFill>
+          <p:spPr>
+            <a:xfrm>
+              <a:off x="4989626" y="404033"/>
+              <a:ext cx="2383437" cy="2190717"/>
+            </a:xfrm>
+            <a:prstGeom prst="rect">
+              <a:avLst/>
+            </a:prstGeom>
+          </p:spPr>
+        </p:pic>
+        <p:pic>
+          <p:nvPicPr>
+            <p:cNvPr id="5" name="Bild 4"/>
+            <p:cNvPicPr>
+              <a:picLocks noChangeAspect="1"/>
+            </p:cNvPicPr>
+            <p:nvPr/>
+          </p:nvPicPr>
+          <p:blipFill>
+            <a:blip r:embed="rId4"/>
+            <a:stretch>
+              <a:fillRect/>
+            </a:stretch>
+          </p:blipFill>
+          <p:spPr>
+            <a:xfrm>
+              <a:off x="2066544" y="3169302"/>
+              <a:ext cx="2383437" cy="2190716"/>
+            </a:xfrm>
+            <a:prstGeom prst="rect">
+              <a:avLst/>
+            </a:prstGeom>
+          </p:spPr>
+        </p:pic>
+        <p:pic>
+          <p:nvPicPr>
+            <p:cNvPr id="6" name="Bild 5"/>
+            <p:cNvPicPr>
+              <a:picLocks noChangeAspect="1"/>
+            </p:cNvPicPr>
+            <p:nvPr/>
+          </p:nvPicPr>
+          <p:blipFill>
+            <a:blip r:embed="rId5"/>
+            <a:stretch>
+              <a:fillRect/>
+            </a:stretch>
+          </p:blipFill>
+          <p:spPr>
+            <a:xfrm>
+              <a:off x="4989626" y="3169302"/>
+              <a:ext cx="2383437" cy="2190717"/>
+            </a:xfrm>
+            <a:prstGeom prst="rect">
+              <a:avLst/>
+            </a:prstGeom>
+          </p:spPr>
+        </p:pic>
+        <p:pic>
+          <p:nvPicPr>
+            <p:cNvPr id="7" name="Bild 6"/>
+            <p:cNvPicPr>
+              <a:picLocks noChangeAspect="1"/>
+            </p:cNvPicPr>
+            <p:nvPr/>
+          </p:nvPicPr>
+          <p:blipFill>
+            <a:blip r:embed="rId6"/>
+            <a:stretch>
+              <a:fillRect/>
+            </a:stretch>
+          </p:blipFill>
+          <p:spPr>
+            <a:xfrm>
+              <a:off x="7912707" y="404033"/>
+              <a:ext cx="2383437" cy="2190717"/>
+            </a:xfrm>
+            <a:prstGeom prst="rect">
+              <a:avLst/>
+            </a:prstGeom>
+          </p:spPr>
+        </p:pic>
+        <p:pic>
+          <p:nvPicPr>
+            <p:cNvPr id="8" name="Bild 7"/>
+            <p:cNvPicPr>
+              <a:picLocks noChangeAspect="1"/>
+            </p:cNvPicPr>
+            <p:nvPr/>
+          </p:nvPicPr>
+          <p:blipFill>
+            <a:blip r:embed="rId7"/>
+            <a:stretch>
+              <a:fillRect/>
+            </a:stretch>
+          </p:blipFill>
+          <p:spPr>
+            <a:xfrm>
+              <a:off x="7912707" y="3169301"/>
+              <a:ext cx="2383437" cy="2190717"/>
+            </a:xfrm>
+            <a:prstGeom prst="rect">
+              <a:avLst/>
+            </a:prstGeom>
+          </p:spPr>
+        </p:pic>
+      </p:grpSp>
+    </p:spTree>
+    <p:extLst>
+      <p:ext uri="{BB962C8B-B14F-4D97-AF65-F5344CB8AC3E}">
+        <p14:creationId xmlns:p14="http://schemas.microsoft.com/office/powerpoint/2010/main" val="1995200542"/>
+      </p:ext>
+    </p:extLst>
+  </p:cSld>
+  <p:clrMapOvr>
+    <a:masterClrMapping/>
+  </p:clrMapOvr>
+  <p:timing>
+    <p:tnLst>
+      <p:par>
+        <p:cTn id="1" dur="indefinite" restart="never" nodeType="tmRoot"/>
+      </p:par>
+    </p:tnLst>
+  </p:timing>
+</p:sld>
+</file>
+
+<file path=ppt/slides/slide9.xml><?xml version="1.0" encoding="utf-8"?>
+<p:sld xmlns:a="http://schemas.openxmlformats.org/drawingml/2006/main" xmlns:r="http://schemas.openxmlformats.org/officeDocument/2006/relationships" xmlns:p="http://schemas.openxmlformats.org/presentationml/2006/main">
+  <p:cSld>
+    <p:spTree>
+      <p:nvGrpSpPr>
+        <p:cNvPr id="1" name=""/>
+        <p:cNvGrpSpPr/>
+        <p:nvPr/>
+      </p:nvGrpSpPr>
+      <p:grpSpPr>
+        <a:xfrm>
+          <a:off x="0" y="0"/>
+          <a:ext cx="0" cy="0"/>
+          <a:chOff x="0" y="0"/>
+          <a:chExt cx="0" cy="0"/>
+        </a:xfrm>
+      </p:grpSpPr>
+      <p:sp>
+        <p:nvSpPr>
+          <p:cNvPr id="4" name="Rechteck 3"/>
+          <p:cNvSpPr/>
+          <p:nvPr/>
+        </p:nvSpPr>
+        <p:spPr>
+          <a:xfrm>
+            <a:off x="1262785" y="2803037"/>
+            <a:ext cx="9666429" cy="3154710"/>
+          </a:xfrm>
+          <a:prstGeom prst="rect">
+            <a:avLst/>
+          </a:prstGeom>
+        </p:spPr>
+        <p:txBody>
+          <a:bodyPr wrap="none">
+            <a:spAutoFit/>
+          </a:bodyPr>
+          <a:lstStyle/>
+          <a:p>
+            <a:r>
+              <a:rPr lang="de-DE" sz="19900" b="1" dirty="0" smtClean="0">
+                <a:solidFill>
+                  <a:srgbClr val="E99866"/>
+                </a:solidFill>
+                <a:latin typeface="Source Sans Pro" charset="0"/>
+                <a:ea typeface="Source Sans Pro" charset="0"/>
+                <a:cs typeface="Source Sans Pro" charset="0"/>
+              </a:rPr>
+              <a:t>V</a:t>
+            </a:r>
+            <a:r>
+              <a:rPr lang="de-DE" sz="19900" b="1" dirty="0" smtClean="0">
+                <a:solidFill>
+                  <a:srgbClr val="5AB88F"/>
+                </a:solidFill>
+                <a:latin typeface="Source Sans Pro" charset="0"/>
+                <a:ea typeface="Source Sans Pro" charset="0"/>
+                <a:cs typeface="Source Sans Pro" charset="0"/>
+              </a:rPr>
+              <a:t> in M</a:t>
+            </a:r>
+            <a:r>
+              <a:rPr lang="de-DE" sz="19900" b="1" dirty="0" smtClean="0">
+                <a:solidFill>
+                  <a:srgbClr val="E99866"/>
+                </a:solidFill>
+                <a:latin typeface="Source Sans Pro" charset="0"/>
+                <a:ea typeface="Source Sans Pro" charset="0"/>
+                <a:cs typeface="Source Sans Pro" charset="0"/>
+              </a:rPr>
+              <a:t>V</a:t>
+            </a:r>
+            <a:r>
+              <a:rPr lang="de-DE" sz="19900" b="1" dirty="0" smtClean="0">
+                <a:solidFill>
+                  <a:srgbClr val="5AB88F"/>
+                </a:solidFill>
+                <a:latin typeface="Source Sans Pro" charset="0"/>
+                <a:ea typeface="Source Sans Pro" charset="0"/>
+                <a:cs typeface="Source Sans Pro" charset="0"/>
+              </a:rPr>
+              <a:t>C</a:t>
+            </a:r>
+            <a:endParaRPr lang="de-DE" sz="3200" b="1" dirty="0">
+              <a:solidFill>
+                <a:srgbClr val="5AB88F"/>
+              </a:solidFill>
+              <a:latin typeface="Source Sans Pro" charset="0"/>
+              <a:ea typeface="Source Sans Pro" charset="0"/>
+              <a:cs typeface="Source Sans Pro" charset="0"/>
+            </a:endParaRPr>
+          </a:p>
+        </p:txBody>
+      </p:sp>
+      <p:sp>
+        <p:nvSpPr>
+          <p:cNvPr id="5" name="Titel 4"/>
+          <p:cNvSpPr>
+            <a:spLocks noGrp="1"/>
+          </p:cNvSpPr>
+          <p:nvPr>
+            <p:ph type="title"/>
+          </p:nvPr>
+        </p:nvSpPr>
+        <p:spPr/>
+        <p:txBody>
+          <a:bodyPr/>
+          <a:lstStyle/>
+          <a:p>
+            <a:endParaRPr lang="de-DE"/>
+          </a:p>
+        </p:txBody>
+      </p:sp>
+    </p:spTree>
+    <p:extLst>
+      <p:ext uri="{BB962C8B-B14F-4D97-AF65-F5344CB8AC3E}">
+        <p14:creationId xmlns:p14="http://schemas.microsoft.com/office/powerpoint/2010/main" val="1189120443"/>
       </p:ext>
     </p:extLst>
   </p:cSld>
